--- a/linsley_postdoc/presentations/weekly_meetings/11_16_23.pptx
+++ b/linsley_postdoc/presentations/weekly_meetings/11_16_23.pptx
@@ -5,7 +5,7 @@
     <p:sldMasterId id="2147483648" r:id="rId1"/>
   </p:sldMasterIdLst>
   <p:notesMasterIdLst>
-    <p:notesMasterId r:id="rId10"/>
+    <p:notesMasterId r:id="rId13"/>
   </p:notesMasterIdLst>
   <p:sldIdLst>
     <p:sldId id="256" r:id="rId2"/>
@@ -13,9 +13,12 @@
     <p:sldId id="417" r:id="rId4"/>
     <p:sldId id="416" r:id="rId5"/>
     <p:sldId id="419" r:id="rId6"/>
-    <p:sldId id="415" r:id="rId7"/>
-    <p:sldId id="418" r:id="rId8"/>
-    <p:sldId id="414" r:id="rId9"/>
+    <p:sldId id="414" r:id="rId7"/>
+    <p:sldId id="415" r:id="rId8"/>
+    <p:sldId id="421" r:id="rId9"/>
+    <p:sldId id="420" r:id="rId10"/>
+    <p:sldId id="422" r:id="rId11"/>
+    <p:sldId id="418" r:id="rId12"/>
   </p:sldIdLst>
   <p:sldSz cx="12192000" cy="6858000"/>
   <p:notesSz cx="6858000" cy="9144000"/>
@@ -215,7 +218,7 @@
           <a:p>
             <a:fld id="{E933A773-0DCE-3544-BB67-D5FA58DF903C}" type="datetimeFigureOut">
               <a:rPr lang="en-US" smtClean="0"/>
-              <a:t>11/15/23</a:t>
+              <a:t>11/16/23</a:t>
             </a:fld>
             <a:endParaRPr lang="en-US"/>
           </a:p>
@@ -566,6 +569,177 @@
 </p:notes>
 </file>
 
+<file path=ppt/notesSlides/notesSlide10.xml><?xml version="1.0" encoding="utf-8"?>
+<p:notes xmlns:a="http://schemas.openxmlformats.org/drawingml/2006/main" xmlns:r="http://schemas.openxmlformats.org/officeDocument/2006/relationships" xmlns:p="http://schemas.openxmlformats.org/presentationml/2006/main">
+  <p:cSld>
+    <p:spTree>
+      <p:nvGrpSpPr>
+        <p:cNvPr id="1" name=""/>
+        <p:cNvGrpSpPr/>
+        <p:nvPr/>
+      </p:nvGrpSpPr>
+      <p:grpSpPr>
+        <a:xfrm>
+          <a:off x="0" y="0"/>
+          <a:ext cx="0" cy="0"/>
+          <a:chOff x="0" y="0"/>
+          <a:chExt cx="0" cy="0"/>
+        </a:xfrm>
+      </p:grpSpPr>
+      <p:sp>
+        <p:nvSpPr>
+          <p:cNvPr id="2" name="Slide Image Placeholder 1"/>
+          <p:cNvSpPr>
+            <a:spLocks noGrp="1" noRot="1" noChangeAspect="1"/>
+          </p:cNvSpPr>
+          <p:nvPr>
+            <p:ph type="sldImg"/>
+          </p:nvPr>
+        </p:nvSpPr>
+        <p:spPr/>
+      </p:sp>
+      <p:sp>
+        <p:nvSpPr>
+          <p:cNvPr id="3" name="Notes Placeholder 2"/>
+          <p:cNvSpPr>
+            <a:spLocks noGrp="1"/>
+          </p:cNvSpPr>
+          <p:nvPr>
+            <p:ph type="body" idx="1"/>
+          </p:nvPr>
+        </p:nvSpPr>
+        <p:spPr/>
+        <p:txBody>
+          <a:bodyPr/>
+          <a:lstStyle/>
+          <a:p>
+            <a:endParaRPr lang="en-US" dirty="0"/>
+          </a:p>
+        </p:txBody>
+      </p:sp>
+      <p:sp>
+        <p:nvSpPr>
+          <p:cNvPr id="4" name="Slide Number Placeholder 3"/>
+          <p:cNvSpPr>
+            <a:spLocks noGrp="1"/>
+          </p:cNvSpPr>
+          <p:nvPr>
+            <p:ph type="sldNum" sz="quarter" idx="5"/>
+          </p:nvPr>
+        </p:nvSpPr>
+        <p:spPr/>
+        <p:txBody>
+          <a:bodyPr/>
+          <a:lstStyle/>
+          <a:p>
+            <a:fld id="{061BAA8C-FDC6-D345-B4E0-3B02449209FB}" type="slidenum">
+              <a:rPr lang="en-US" smtClean="0"/>
+              <a:t>10</a:t>
+            </a:fld>
+            <a:endParaRPr lang="en-US"/>
+          </a:p>
+        </p:txBody>
+      </p:sp>
+    </p:spTree>
+    <p:extLst>
+      <p:ext uri="{BB962C8B-B14F-4D97-AF65-F5344CB8AC3E}">
+        <p14:creationId xmlns:p14="http://schemas.microsoft.com/office/powerpoint/2010/main" val="3040758597"/>
+      </p:ext>
+    </p:extLst>
+  </p:cSld>
+  <p:clrMapOvr>
+    <a:masterClrMapping/>
+  </p:clrMapOvr>
+</p:notes>
+</file>
+
+<file path=ppt/notesSlides/notesSlide11.xml><?xml version="1.0" encoding="utf-8"?>
+<p:notes xmlns:a="http://schemas.openxmlformats.org/drawingml/2006/main" xmlns:r="http://schemas.openxmlformats.org/officeDocument/2006/relationships" xmlns:p="http://schemas.openxmlformats.org/presentationml/2006/main">
+  <p:cSld>
+    <p:spTree>
+      <p:nvGrpSpPr>
+        <p:cNvPr id="1" name=""/>
+        <p:cNvGrpSpPr/>
+        <p:nvPr/>
+      </p:nvGrpSpPr>
+      <p:grpSpPr>
+        <a:xfrm>
+          <a:off x="0" y="0"/>
+          <a:ext cx="0" cy="0"/>
+          <a:chOff x="0" y="0"/>
+          <a:chExt cx="0" cy="0"/>
+        </a:xfrm>
+      </p:grpSpPr>
+      <p:sp>
+        <p:nvSpPr>
+          <p:cNvPr id="2" name="Slide Image Placeholder 1"/>
+          <p:cNvSpPr>
+            <a:spLocks noGrp="1" noRot="1" noChangeAspect="1"/>
+          </p:cNvSpPr>
+          <p:nvPr>
+            <p:ph type="sldImg"/>
+          </p:nvPr>
+        </p:nvSpPr>
+        <p:spPr/>
+      </p:sp>
+      <p:sp>
+        <p:nvSpPr>
+          <p:cNvPr id="3" name="Notes Placeholder 2"/>
+          <p:cNvSpPr>
+            <a:spLocks noGrp="1"/>
+          </p:cNvSpPr>
+          <p:nvPr>
+            <p:ph type="body" idx="1"/>
+          </p:nvPr>
+        </p:nvSpPr>
+        <p:spPr/>
+        <p:txBody>
+          <a:bodyPr/>
+          <a:lstStyle/>
+          <a:p>
+            <a:r>
+              <a:rPr lang="en-US" dirty="0"/>
+              <a:t># Shannon entropy: 0 means monoclonal, higher means polyclonal, weights richness (total # of unique clones) over evenness</a:t>
+            </a:r>
+          </a:p>
+        </p:txBody>
+      </p:sp>
+      <p:sp>
+        <p:nvSpPr>
+          <p:cNvPr id="4" name="Slide Number Placeholder 3"/>
+          <p:cNvSpPr>
+            <a:spLocks noGrp="1"/>
+          </p:cNvSpPr>
+          <p:nvPr>
+            <p:ph type="sldNum" sz="quarter" idx="5"/>
+          </p:nvPr>
+        </p:nvSpPr>
+        <p:spPr/>
+        <p:txBody>
+          <a:bodyPr/>
+          <a:lstStyle/>
+          <a:p>
+            <a:fld id="{061BAA8C-FDC6-D345-B4E0-3B02449209FB}" type="slidenum">
+              <a:rPr lang="en-US" smtClean="0"/>
+              <a:t>11</a:t>
+            </a:fld>
+            <a:endParaRPr lang="en-US"/>
+          </a:p>
+        </p:txBody>
+      </p:sp>
+    </p:spTree>
+    <p:extLst>
+      <p:ext uri="{BB962C8B-B14F-4D97-AF65-F5344CB8AC3E}">
+        <p14:creationId xmlns:p14="http://schemas.microsoft.com/office/powerpoint/2010/main" val="636833604"/>
+      </p:ext>
+    </p:extLst>
+  </p:cSld>
+  <p:clrMapOvr>
+    <a:masterClrMapping/>
+  </p:clrMapOvr>
+</p:notes>
+</file>
+
 <file path=ppt/notesSlides/notesSlide2.xml><?xml version="1.0" encoding="utf-8"?>
 <p:notes xmlns:a="http://schemas.openxmlformats.org/drawingml/2006/main" xmlns:r="http://schemas.openxmlformats.org/officeDocument/2006/relationships" xmlns:p="http://schemas.openxmlformats.org/presentationml/2006/main">
   <p:cSld>
@@ -1532,52 +1706,31 @@
           <a:bodyPr/>
           <a:lstStyle/>
           <a:p>
+            <a:pPr algn="l">
+              <a:buFont typeface="Arial" panose="020B0604020202020204" pitchFamily="34" charset="0"/>
+              <a:buChar char="•"/>
+            </a:pPr>
+            <a:r>
+              <a:rPr lang="en-US" b="0" i="0" dirty="0">
+                <a:solidFill>
+                  <a:srgbClr val="D1D2D3"/>
+                </a:solidFill>
+                <a:effectLst/>
+                <a:latin typeface="Slack-Lato"/>
+              </a:rPr>
+              <a:t>c</a:t>
+            </a:r>
             <a:r>
               <a:rPr lang="en-US" dirty="0"/>
-              <a:t>I must have filtered for 1 TRA &amp; 1 TRB per barcode at some point (same n values for TRA and TRB)</a:t>
-            </a:r>
-          </a:p>
-          <a:p>
-            <a:endParaRPr lang="en-US" dirty="0"/>
-          </a:p>
-          <a:p>
-            <a:r>
-              <a:rPr lang="en-US" dirty="0"/>
-              <a:t>other T includes double negative T (</a:t>
-            </a:r>
-            <a:r>
-              <a:rPr lang="en-US" dirty="0" err="1"/>
-              <a:t>dnT</a:t>
-            </a:r>
-            <a:r>
-              <a:rPr lang="en-US" dirty="0"/>
-              <a:t>), MAITs, gamma delta T (</a:t>
-            </a:r>
-            <a:r>
-              <a:rPr lang="en-US" dirty="0" err="1"/>
-              <a:t>gdT</a:t>
-            </a:r>
-            <a:r>
-              <a:rPr lang="en-US" dirty="0"/>
-              <a:t>), CD4/8 TEMs for some reason… need to remove </a:t>
-            </a:r>
-            <a:r>
-              <a:rPr lang="en-US" dirty="0" err="1"/>
-              <a:t>gdTs</a:t>
-            </a:r>
-            <a:r>
-              <a:rPr lang="en-US" dirty="0"/>
-              <a:t> so this conclusion is ~to be verified</a:t>
-            </a:r>
-          </a:p>
-          <a:p>
-            <a:endParaRPr lang="en-US" dirty="0"/>
-          </a:p>
-          <a:p>
-            <a:r>
-              <a:rPr lang="en-US" dirty="0"/>
-              <a:t>This is consistent with past results before QC/aberrant TCR exclusion</a:t>
-            </a:r>
+              <a:t>entral 5 AA of CDR3 often contact antigen: citation: The Changing Landscape of Naive T Cell Receptor Repertoire With Human Aging</a:t>
+            </a:r>
+            <a:endParaRPr lang="en-US" b="0" i="0" dirty="0">
+              <a:solidFill>
+                <a:srgbClr val="D1D2D3"/>
+              </a:solidFill>
+              <a:effectLst/>
+              <a:latin typeface="Slack-Lato"/>
+            </a:endParaRPr>
           </a:p>
         </p:txBody>
       </p:sp>
@@ -1607,7 +1760,7 @@
     </p:spTree>
     <p:extLst>
       <p:ext uri="{BB962C8B-B14F-4D97-AF65-F5344CB8AC3E}">
-        <p14:creationId xmlns:p14="http://schemas.microsoft.com/office/powerpoint/2010/main" val="361999590"/>
+        <p14:creationId xmlns:p14="http://schemas.microsoft.com/office/powerpoint/2010/main" val="2308662585"/>
       </p:ext>
     </p:extLst>
   </p:cSld>
@@ -1663,7 +1816,49 @@
           <a:p>
             <a:r>
               <a:rPr lang="en-US" dirty="0"/>
-              <a:t># Shannon entropy: 0 means monoclonal, higher means polyclonal, weights richness (total # of unique clones) over evenness</a:t>
+              <a:t>I must have filtered for 1 TRA &amp; 1 TRB per barcode at some point (same n values for TRA and TRB)</a:t>
+            </a:r>
+          </a:p>
+          <a:p>
+            <a:endParaRPr lang="en-US" dirty="0"/>
+          </a:p>
+          <a:p>
+            <a:r>
+              <a:rPr lang="en-US" dirty="0"/>
+              <a:t>other T includes double negative T (</a:t>
+            </a:r>
+            <a:r>
+              <a:rPr lang="en-US" dirty="0" err="1"/>
+              <a:t>dnT</a:t>
+            </a:r>
+            <a:r>
+              <a:rPr lang="en-US" dirty="0"/>
+              <a:t>), MAITs, gamma delta T (</a:t>
+            </a:r>
+            <a:r>
+              <a:rPr lang="en-US" dirty="0" err="1"/>
+              <a:t>gdT</a:t>
+            </a:r>
+            <a:r>
+              <a:rPr lang="en-US" dirty="0"/>
+              <a:t>), CD4/8 TEMs for some reason… need to remove </a:t>
+            </a:r>
+            <a:r>
+              <a:rPr lang="en-US" dirty="0" err="1"/>
+              <a:t>gdTs</a:t>
+            </a:r>
+            <a:r>
+              <a:rPr lang="en-US" dirty="0"/>
+              <a:t> so this conclusion is ~to be verified</a:t>
+            </a:r>
+          </a:p>
+          <a:p>
+            <a:endParaRPr lang="en-US" dirty="0"/>
+          </a:p>
+          <a:p>
+            <a:r>
+              <a:rPr lang="en-US" dirty="0"/>
+              <a:t>This is consistent with past results before QC/aberrant TCR exclusion</a:t>
             </a:r>
           </a:p>
         </p:txBody>
@@ -1694,7 +1889,7 @@
     </p:spTree>
     <p:extLst>
       <p:ext uri="{BB962C8B-B14F-4D97-AF65-F5344CB8AC3E}">
-        <p14:creationId xmlns:p14="http://schemas.microsoft.com/office/powerpoint/2010/main" val="3855724627"/>
+        <p14:creationId xmlns:p14="http://schemas.microsoft.com/office/powerpoint/2010/main" val="2975260930"/>
       </p:ext>
     </p:extLst>
   </p:cSld>
@@ -1748,31 +1943,7 @@
           <a:bodyPr/>
           <a:lstStyle/>
           <a:p>
-            <a:pPr algn="l">
-              <a:buFont typeface="Arial" panose="020B0604020202020204" pitchFamily="34" charset="0"/>
-              <a:buChar char="•"/>
-            </a:pPr>
-            <a:r>
-              <a:rPr lang="en-US" b="0" i="0" dirty="0">
-                <a:solidFill>
-                  <a:srgbClr val="D1D2D3"/>
-                </a:solidFill>
-                <a:effectLst/>
-                <a:latin typeface="Slack-Lato"/>
-              </a:rPr>
-              <a:t>c</a:t>
-            </a:r>
-            <a:r>
-              <a:rPr lang="en-US" dirty="0"/>
-              <a:t>entral 5 AA of CDR3 often contact antigen: citation: The Changing Landscape of Naive T Cell Receptor Repertoire With Human Aging</a:t>
-            </a:r>
-            <a:endParaRPr lang="en-US" b="0" i="0" dirty="0">
-              <a:solidFill>
-                <a:srgbClr val="D1D2D3"/>
-              </a:solidFill>
-              <a:effectLst/>
-              <a:latin typeface="Slack-Lato"/>
-            </a:endParaRPr>
+            <a:endParaRPr lang="en-US" dirty="0"/>
           </a:p>
         </p:txBody>
       </p:sp>
@@ -1802,7 +1973,91 @@
     </p:spTree>
     <p:extLst>
       <p:ext uri="{BB962C8B-B14F-4D97-AF65-F5344CB8AC3E}">
-        <p14:creationId xmlns:p14="http://schemas.microsoft.com/office/powerpoint/2010/main" val="2308662585"/>
+        <p14:creationId xmlns:p14="http://schemas.microsoft.com/office/powerpoint/2010/main" val="827174875"/>
+      </p:ext>
+    </p:extLst>
+  </p:cSld>
+  <p:clrMapOvr>
+    <a:masterClrMapping/>
+  </p:clrMapOvr>
+</p:notes>
+</file>
+
+<file path=ppt/notesSlides/notesSlide9.xml><?xml version="1.0" encoding="utf-8"?>
+<p:notes xmlns:a="http://schemas.openxmlformats.org/drawingml/2006/main" xmlns:r="http://schemas.openxmlformats.org/officeDocument/2006/relationships" xmlns:p="http://schemas.openxmlformats.org/presentationml/2006/main">
+  <p:cSld>
+    <p:spTree>
+      <p:nvGrpSpPr>
+        <p:cNvPr id="1" name=""/>
+        <p:cNvGrpSpPr/>
+        <p:nvPr/>
+      </p:nvGrpSpPr>
+      <p:grpSpPr>
+        <a:xfrm>
+          <a:off x="0" y="0"/>
+          <a:ext cx="0" cy="0"/>
+          <a:chOff x="0" y="0"/>
+          <a:chExt cx="0" cy="0"/>
+        </a:xfrm>
+      </p:grpSpPr>
+      <p:sp>
+        <p:nvSpPr>
+          <p:cNvPr id="2" name="Slide Image Placeholder 1"/>
+          <p:cNvSpPr>
+            <a:spLocks noGrp="1" noRot="1" noChangeAspect="1"/>
+          </p:cNvSpPr>
+          <p:nvPr>
+            <p:ph type="sldImg"/>
+          </p:nvPr>
+        </p:nvSpPr>
+        <p:spPr/>
+      </p:sp>
+      <p:sp>
+        <p:nvSpPr>
+          <p:cNvPr id="3" name="Notes Placeholder 2"/>
+          <p:cNvSpPr>
+            <a:spLocks noGrp="1"/>
+          </p:cNvSpPr>
+          <p:nvPr>
+            <p:ph type="body" idx="1"/>
+          </p:nvPr>
+        </p:nvSpPr>
+        <p:spPr/>
+        <p:txBody>
+          <a:bodyPr/>
+          <a:lstStyle/>
+          <a:p>
+            <a:endParaRPr lang="en-US" dirty="0"/>
+          </a:p>
+        </p:txBody>
+      </p:sp>
+      <p:sp>
+        <p:nvSpPr>
+          <p:cNvPr id="4" name="Slide Number Placeholder 3"/>
+          <p:cNvSpPr>
+            <a:spLocks noGrp="1"/>
+          </p:cNvSpPr>
+          <p:nvPr>
+            <p:ph type="sldNum" sz="quarter" idx="5"/>
+          </p:nvPr>
+        </p:nvSpPr>
+        <p:spPr/>
+        <p:txBody>
+          <a:bodyPr/>
+          <a:lstStyle/>
+          <a:p>
+            <a:fld id="{061BAA8C-FDC6-D345-B4E0-3B02449209FB}" type="slidenum">
+              <a:rPr lang="en-US" smtClean="0"/>
+              <a:t>9</a:t>
+            </a:fld>
+            <a:endParaRPr lang="en-US"/>
+          </a:p>
+        </p:txBody>
+      </p:sp>
+    </p:spTree>
+    <p:extLst>
+      <p:ext uri="{BB962C8B-B14F-4D97-AF65-F5344CB8AC3E}">
+        <p14:creationId xmlns:p14="http://schemas.microsoft.com/office/powerpoint/2010/main" val="39130132"/>
       </p:ext>
     </p:extLst>
   </p:cSld>
@@ -1959,7 +2214,7 @@
           <a:p>
             <a:fld id="{80FC6068-BAFB-FC44-B9D8-F4B3BB105DE6}" type="datetimeFigureOut">
               <a:rPr lang="en-US" smtClean="0"/>
-              <a:t>11/15/23</a:t>
+              <a:t>11/16/23</a:t>
             </a:fld>
             <a:endParaRPr lang="en-US"/>
           </a:p>
@@ -2157,7 +2412,7 @@
           <a:p>
             <a:fld id="{80FC6068-BAFB-FC44-B9D8-F4B3BB105DE6}" type="datetimeFigureOut">
               <a:rPr lang="en-US" smtClean="0"/>
-              <a:t>11/15/23</a:t>
+              <a:t>11/16/23</a:t>
             </a:fld>
             <a:endParaRPr lang="en-US"/>
           </a:p>
@@ -2365,7 +2620,7 @@
           <a:p>
             <a:fld id="{80FC6068-BAFB-FC44-B9D8-F4B3BB105DE6}" type="datetimeFigureOut">
               <a:rPr lang="en-US" smtClean="0"/>
-              <a:t>11/15/23</a:t>
+              <a:t>11/16/23</a:t>
             </a:fld>
             <a:endParaRPr lang="en-US"/>
           </a:p>
@@ -2569,7 +2824,7 @@
           <a:p>
             <a:fld id="{80FC6068-BAFB-FC44-B9D8-F4B3BB105DE6}" type="datetimeFigureOut">
               <a:rPr lang="en-US" smtClean="0"/>
-              <a:t>11/15/23</a:t>
+              <a:t>11/16/23</a:t>
             </a:fld>
             <a:endParaRPr lang="en-US"/>
           </a:p>
@@ -2860,7 +3115,7 @@
           <a:p>
             <a:fld id="{80FC6068-BAFB-FC44-B9D8-F4B3BB105DE6}" type="datetimeFigureOut">
               <a:rPr lang="en-US" smtClean="0"/>
-              <a:t>11/15/23</a:t>
+              <a:t>11/16/23</a:t>
             </a:fld>
             <a:endParaRPr lang="en-US"/>
           </a:p>
@@ -3125,7 +3380,7 @@
           <a:p>
             <a:fld id="{80FC6068-BAFB-FC44-B9D8-F4B3BB105DE6}" type="datetimeFigureOut">
               <a:rPr lang="en-US" smtClean="0"/>
-              <a:t>11/15/23</a:t>
+              <a:t>11/16/23</a:t>
             </a:fld>
             <a:endParaRPr lang="en-US"/>
           </a:p>
@@ -3537,7 +3792,7 @@
           <a:p>
             <a:fld id="{80FC6068-BAFB-FC44-B9D8-F4B3BB105DE6}" type="datetimeFigureOut">
               <a:rPr lang="en-US" smtClean="0"/>
-              <a:t>11/15/23</a:t>
+              <a:t>11/16/23</a:t>
             </a:fld>
             <a:endParaRPr lang="en-US"/>
           </a:p>
@@ -3678,7 +3933,7 @@
           <a:p>
             <a:fld id="{80FC6068-BAFB-FC44-B9D8-F4B3BB105DE6}" type="datetimeFigureOut">
               <a:rPr lang="en-US" smtClean="0"/>
-              <a:t>11/15/23</a:t>
+              <a:t>11/16/23</a:t>
             </a:fld>
             <a:endParaRPr lang="en-US"/>
           </a:p>
@@ -3791,7 +4046,7 @@
           <a:p>
             <a:fld id="{80FC6068-BAFB-FC44-B9D8-F4B3BB105DE6}" type="datetimeFigureOut">
               <a:rPr lang="en-US" smtClean="0"/>
-              <a:t>11/15/23</a:t>
+              <a:t>11/16/23</a:t>
             </a:fld>
             <a:endParaRPr lang="en-US"/>
           </a:p>
@@ -4102,7 +4357,7 @@
           <a:p>
             <a:fld id="{80FC6068-BAFB-FC44-B9D8-F4B3BB105DE6}" type="datetimeFigureOut">
               <a:rPr lang="en-US" smtClean="0"/>
-              <a:t>11/15/23</a:t>
+              <a:t>11/16/23</a:t>
             </a:fld>
             <a:endParaRPr lang="en-US"/>
           </a:p>
@@ -4390,7 +4645,7 @@
           <a:p>
             <a:fld id="{80FC6068-BAFB-FC44-B9D8-F4B3BB105DE6}" type="datetimeFigureOut">
               <a:rPr lang="en-US" smtClean="0"/>
-              <a:t>11/15/23</a:t>
+              <a:t>11/16/23</a:t>
             </a:fld>
             <a:endParaRPr lang="en-US"/>
           </a:p>
@@ -4631,7 +4886,7 @@
           <a:p>
             <a:fld id="{80FC6068-BAFB-FC44-B9D8-F4B3BB105DE6}" type="datetimeFigureOut">
               <a:rPr lang="en-US" smtClean="0"/>
-              <a:t>11/15/23</a:t>
+              <a:t>11/16/23</a:t>
             </a:fld>
             <a:endParaRPr lang="en-US"/>
           </a:p>
@@ -5116,6 +5371,562 @@
     <p:extLst>
       <p:ext uri="{BB962C8B-B14F-4D97-AF65-F5344CB8AC3E}">
         <p14:creationId xmlns:p14="http://schemas.microsoft.com/office/powerpoint/2010/main" val="392232890"/>
+      </p:ext>
+    </p:extLst>
+  </p:cSld>
+  <p:clrMapOvr>
+    <a:masterClrMapping/>
+  </p:clrMapOvr>
+</p:sld>
+</file>
+
+<file path=ppt/slides/slide10.xml><?xml version="1.0" encoding="utf-8"?>
+<p:sld xmlns:a="http://schemas.openxmlformats.org/drawingml/2006/main" xmlns:r="http://schemas.openxmlformats.org/officeDocument/2006/relationships" xmlns:p="http://schemas.openxmlformats.org/presentationml/2006/main">
+  <p:cSld>
+    <p:spTree>
+      <p:nvGrpSpPr>
+        <p:cNvPr id="1" name=""/>
+        <p:cNvGrpSpPr/>
+        <p:nvPr/>
+      </p:nvGrpSpPr>
+      <p:grpSpPr>
+        <a:xfrm>
+          <a:off x="0" y="0"/>
+          <a:ext cx="0" cy="0"/>
+          <a:chOff x="0" y="0"/>
+          <a:chExt cx="0" cy="0"/>
+        </a:xfrm>
+      </p:grpSpPr>
+      <p:sp>
+        <p:nvSpPr>
+          <p:cNvPr id="2" name="Title 1">
+            <a:extLst>
+              <a:ext uri="{FF2B5EF4-FFF2-40B4-BE49-F238E27FC236}">
+                <a16:creationId xmlns:a16="http://schemas.microsoft.com/office/drawing/2014/main" id="{70A4C97D-8F21-3D3B-6A90-EA7145324964}"/>
+              </a:ext>
+            </a:extLst>
+          </p:cNvPr>
+          <p:cNvSpPr>
+            <a:spLocks noGrp="1"/>
+          </p:cNvSpPr>
+          <p:nvPr>
+            <p:ph type="title"/>
+          </p:nvPr>
+        </p:nvSpPr>
+        <p:spPr>
+          <a:xfrm>
+            <a:off x="838200" y="593725"/>
+            <a:ext cx="10515600" cy="1325563"/>
+          </a:xfrm>
+        </p:spPr>
+        <p:txBody>
+          <a:bodyPr>
+            <a:normAutofit/>
+          </a:bodyPr>
+          <a:lstStyle/>
+          <a:p>
+            <a:r>
+              <a:rPr lang="en-US" dirty="0"/>
+              <a:t>Within highly expanded T cells, observe stronger hydrophobicity differences for CD4 T cells</a:t>
+            </a:r>
+          </a:p>
+        </p:txBody>
+      </p:sp>
+      <p:pic>
+        <p:nvPicPr>
+          <p:cNvPr id="13" name="Picture 12">
+            <a:extLst>
+              <a:ext uri="{FF2B5EF4-FFF2-40B4-BE49-F238E27FC236}">
+                <a16:creationId xmlns:a16="http://schemas.microsoft.com/office/drawing/2014/main" id="{8C9E44A2-B65A-A540-BA4C-17F330705381}"/>
+              </a:ext>
+            </a:extLst>
+          </p:cNvPr>
+          <p:cNvPicPr>
+            <a:picLocks noChangeAspect="1"/>
+          </p:cNvPicPr>
+          <p:nvPr/>
+        </p:nvPicPr>
+        <p:blipFill>
+          <a:blip r:embed="rId3"/>
+          <a:stretch>
+            <a:fillRect/>
+          </a:stretch>
+        </p:blipFill>
+        <p:spPr>
+          <a:xfrm>
+            <a:off x="2209800" y="1972171"/>
+            <a:ext cx="7772400" cy="4885829"/>
+          </a:xfrm>
+          <a:prstGeom prst="rect">
+            <a:avLst/>
+          </a:prstGeom>
+        </p:spPr>
+      </p:pic>
+    </p:spTree>
+    <p:extLst>
+      <p:ext uri="{BB962C8B-B14F-4D97-AF65-F5344CB8AC3E}">
+        <p14:creationId xmlns:p14="http://schemas.microsoft.com/office/powerpoint/2010/main" val="2198016534"/>
+      </p:ext>
+    </p:extLst>
+  </p:cSld>
+  <p:clrMapOvr>
+    <a:masterClrMapping/>
+  </p:clrMapOvr>
+</p:sld>
+</file>
+
+<file path=ppt/slides/slide11.xml><?xml version="1.0" encoding="utf-8"?>
+<p:sld xmlns:a="http://schemas.openxmlformats.org/drawingml/2006/main" xmlns:r="http://schemas.openxmlformats.org/officeDocument/2006/relationships" xmlns:p="http://schemas.openxmlformats.org/presentationml/2006/main">
+  <p:cSld>
+    <p:spTree>
+      <p:nvGrpSpPr>
+        <p:cNvPr id="1" name=""/>
+        <p:cNvGrpSpPr/>
+        <p:nvPr/>
+      </p:nvGrpSpPr>
+      <p:grpSpPr>
+        <a:xfrm>
+          <a:off x="0" y="0"/>
+          <a:ext cx="0" cy="0"/>
+          <a:chOff x="0" y="0"/>
+          <a:chExt cx="0" cy="0"/>
+        </a:xfrm>
+      </p:grpSpPr>
+      <p:sp>
+        <p:nvSpPr>
+          <p:cNvPr id="2" name="Title 1">
+            <a:extLst>
+              <a:ext uri="{FF2B5EF4-FFF2-40B4-BE49-F238E27FC236}">
+                <a16:creationId xmlns:a16="http://schemas.microsoft.com/office/drawing/2014/main" id="{70A4C97D-8F21-3D3B-6A90-EA7145324964}"/>
+              </a:ext>
+            </a:extLst>
+          </p:cNvPr>
+          <p:cNvSpPr>
+            <a:spLocks noGrp="1"/>
+          </p:cNvSpPr>
+          <p:nvPr>
+            <p:ph type="title"/>
+          </p:nvPr>
+        </p:nvSpPr>
+        <p:spPr>
+          <a:xfrm>
+            <a:off x="838200" y="593725"/>
+            <a:ext cx="10515600" cy="1325563"/>
+          </a:xfrm>
+        </p:spPr>
+        <p:txBody>
+          <a:bodyPr>
+            <a:normAutofit/>
+          </a:bodyPr>
+          <a:lstStyle/>
+          <a:p>
+            <a:r>
+              <a:rPr lang="en-US" dirty="0"/>
+              <a:t>TCR repertoires differ in diversity by </a:t>
+            </a:r>
+            <a:r>
+              <a:rPr lang="en-US" dirty="0" err="1"/>
+              <a:t>irAE</a:t>
+            </a:r>
+            <a:r>
+              <a:rPr lang="en-US" dirty="0"/>
+              <a:t> group across cell types</a:t>
+            </a:r>
+          </a:p>
+        </p:txBody>
+      </p:sp>
+      <p:sp>
+        <p:nvSpPr>
+          <p:cNvPr id="7" name="TextBox 6">
+            <a:extLst>
+              <a:ext uri="{FF2B5EF4-FFF2-40B4-BE49-F238E27FC236}">
+                <a16:creationId xmlns:a16="http://schemas.microsoft.com/office/drawing/2014/main" id="{A41EC606-3131-4643-331A-BA04063294BF}"/>
+              </a:ext>
+            </a:extLst>
+          </p:cNvPr>
+          <p:cNvSpPr txBox="1"/>
+          <p:nvPr/>
+        </p:nvSpPr>
+        <p:spPr>
+          <a:xfrm>
+            <a:off x="9457934" y="3791636"/>
+            <a:ext cx="788999" cy="369332"/>
+          </a:xfrm>
+          <a:prstGeom prst="rect">
+            <a:avLst/>
+          </a:prstGeom>
+          <a:noFill/>
+        </p:spPr>
+        <p:txBody>
+          <a:bodyPr wrap="none" rtlCol="0">
+            <a:spAutoFit/>
+          </a:bodyPr>
+          <a:lstStyle/>
+          <a:p>
+            <a:r>
+              <a:rPr lang="en-US" dirty="0">
+                <a:solidFill>
+                  <a:srgbClr val="F7756C"/>
+                </a:solidFill>
+              </a:rPr>
+              <a:t>n = 16</a:t>
+            </a:r>
+          </a:p>
+        </p:txBody>
+      </p:sp>
+      <p:sp>
+        <p:nvSpPr>
+          <p:cNvPr id="8" name="TextBox 7">
+            <a:extLst>
+              <a:ext uri="{FF2B5EF4-FFF2-40B4-BE49-F238E27FC236}">
+                <a16:creationId xmlns:a16="http://schemas.microsoft.com/office/drawing/2014/main" id="{3191DC46-BC6C-EF97-3B17-A44879B0FF4F}"/>
+              </a:ext>
+            </a:extLst>
+          </p:cNvPr>
+          <p:cNvSpPr txBox="1"/>
+          <p:nvPr/>
+        </p:nvSpPr>
+        <p:spPr>
+          <a:xfrm>
+            <a:off x="9471561" y="4134915"/>
+            <a:ext cx="761747" cy="369332"/>
+          </a:xfrm>
+          <a:prstGeom prst="rect">
+            <a:avLst/>
+          </a:prstGeom>
+          <a:noFill/>
+        </p:spPr>
+        <p:txBody>
+          <a:bodyPr wrap="none" rtlCol="0">
+            <a:spAutoFit/>
+          </a:bodyPr>
+          <a:lstStyle/>
+          <a:p>
+            <a:r>
+              <a:rPr lang="en-US" dirty="0">
+                <a:solidFill>
+                  <a:srgbClr val="06BFC4"/>
+                </a:solidFill>
+              </a:rPr>
+              <a:t>n = 34</a:t>
+            </a:r>
+          </a:p>
+        </p:txBody>
+      </p:sp>
+      <p:pic>
+        <p:nvPicPr>
+          <p:cNvPr id="3" name="Picture 2">
+            <a:extLst>
+              <a:ext uri="{FF2B5EF4-FFF2-40B4-BE49-F238E27FC236}">
+                <a16:creationId xmlns:a16="http://schemas.microsoft.com/office/drawing/2014/main" id="{E7E7BF22-899C-64BB-D2B5-D0C2B8D7AC3D}"/>
+              </a:ext>
+            </a:extLst>
+          </p:cNvPr>
+          <p:cNvPicPr>
+            <a:picLocks noChangeAspect="1"/>
+          </p:cNvPicPr>
+          <p:nvPr/>
+        </p:nvPicPr>
+        <p:blipFill>
+          <a:blip r:embed="rId3"/>
+          <a:stretch>
+            <a:fillRect/>
+          </a:stretch>
+        </p:blipFill>
+        <p:spPr>
+          <a:xfrm>
+            <a:off x="1699161" y="1742807"/>
+            <a:ext cx="7772400" cy="4939792"/>
+          </a:xfrm>
+          <a:prstGeom prst="rect">
+            <a:avLst/>
+          </a:prstGeom>
+        </p:spPr>
+      </p:pic>
+      <p:sp>
+        <p:nvSpPr>
+          <p:cNvPr id="4" name="TextBox 3">
+            <a:extLst>
+              <a:ext uri="{FF2B5EF4-FFF2-40B4-BE49-F238E27FC236}">
+                <a16:creationId xmlns:a16="http://schemas.microsoft.com/office/drawing/2014/main" id="{063850FA-8186-A717-9E4F-EE6F587B269E}"/>
+              </a:ext>
+            </a:extLst>
+          </p:cNvPr>
+          <p:cNvSpPr txBox="1"/>
+          <p:nvPr/>
+        </p:nvSpPr>
+        <p:spPr>
+          <a:xfrm>
+            <a:off x="7493330" y="2994149"/>
+            <a:ext cx="415498" cy="369332"/>
+          </a:xfrm>
+          <a:prstGeom prst="rect">
+            <a:avLst/>
+          </a:prstGeom>
+          <a:noFill/>
+        </p:spPr>
+        <p:txBody>
+          <a:bodyPr wrap="none" rtlCol="0">
+            <a:spAutoFit/>
+          </a:bodyPr>
+          <a:lstStyle/>
+          <a:p>
+            <a:r>
+              <a:rPr lang="en-US" dirty="0"/>
+              <a:t>**</a:t>
+            </a:r>
+          </a:p>
+        </p:txBody>
+      </p:sp>
+      <p:sp>
+        <p:nvSpPr>
+          <p:cNvPr id="14" name="TextBox 13">
+            <a:extLst>
+              <a:ext uri="{FF2B5EF4-FFF2-40B4-BE49-F238E27FC236}">
+                <a16:creationId xmlns:a16="http://schemas.microsoft.com/office/drawing/2014/main" id="{00C452D5-E50D-5548-BAA5-C4888571AFA8}"/>
+              </a:ext>
+            </a:extLst>
+          </p:cNvPr>
+          <p:cNvSpPr txBox="1"/>
+          <p:nvPr/>
+        </p:nvSpPr>
+        <p:spPr>
+          <a:xfrm>
+            <a:off x="6232566" y="3021074"/>
+            <a:ext cx="415498" cy="369332"/>
+          </a:xfrm>
+          <a:prstGeom prst="rect">
+            <a:avLst/>
+          </a:prstGeom>
+          <a:noFill/>
+        </p:spPr>
+        <p:txBody>
+          <a:bodyPr wrap="none" rtlCol="0">
+            <a:spAutoFit/>
+          </a:bodyPr>
+          <a:lstStyle/>
+          <a:p>
+            <a:r>
+              <a:rPr lang="en-US" dirty="0"/>
+              <a:t>**</a:t>
+            </a:r>
+          </a:p>
+        </p:txBody>
+      </p:sp>
+      <p:sp>
+        <p:nvSpPr>
+          <p:cNvPr id="15" name="TextBox 14">
+            <a:extLst>
+              <a:ext uri="{FF2B5EF4-FFF2-40B4-BE49-F238E27FC236}">
+                <a16:creationId xmlns:a16="http://schemas.microsoft.com/office/drawing/2014/main" id="{E7F7007A-6F73-EFCF-76BC-E4F1EF1504F8}"/>
+              </a:ext>
+            </a:extLst>
+          </p:cNvPr>
+          <p:cNvSpPr txBox="1"/>
+          <p:nvPr/>
+        </p:nvSpPr>
+        <p:spPr>
+          <a:xfrm>
+            <a:off x="6232566" y="4539488"/>
+            <a:ext cx="415498" cy="369332"/>
+          </a:xfrm>
+          <a:prstGeom prst="rect">
+            <a:avLst/>
+          </a:prstGeom>
+          <a:noFill/>
+        </p:spPr>
+        <p:txBody>
+          <a:bodyPr wrap="none" rtlCol="0">
+            <a:spAutoFit/>
+          </a:bodyPr>
+          <a:lstStyle/>
+          <a:p>
+            <a:r>
+              <a:rPr lang="en-US" dirty="0"/>
+              <a:t>**</a:t>
+            </a:r>
+          </a:p>
+        </p:txBody>
+      </p:sp>
+      <p:sp>
+        <p:nvSpPr>
+          <p:cNvPr id="16" name="TextBox 15">
+            <a:extLst>
+              <a:ext uri="{FF2B5EF4-FFF2-40B4-BE49-F238E27FC236}">
+                <a16:creationId xmlns:a16="http://schemas.microsoft.com/office/drawing/2014/main" id="{55CD9E84-C40D-D370-DFCD-7D7DAF4B9956}"/>
+              </a:ext>
+            </a:extLst>
+          </p:cNvPr>
+          <p:cNvSpPr txBox="1"/>
+          <p:nvPr/>
+        </p:nvSpPr>
+        <p:spPr>
+          <a:xfrm>
+            <a:off x="7493330" y="4541820"/>
+            <a:ext cx="415498" cy="369332"/>
+          </a:xfrm>
+          <a:prstGeom prst="rect">
+            <a:avLst/>
+          </a:prstGeom>
+          <a:noFill/>
+        </p:spPr>
+        <p:txBody>
+          <a:bodyPr wrap="square" rtlCol="0">
+            <a:spAutoFit/>
+          </a:bodyPr>
+          <a:lstStyle/>
+          <a:p>
+            <a:r>
+              <a:rPr lang="en-US" dirty="0"/>
+              <a:t>**</a:t>
+            </a:r>
+          </a:p>
+        </p:txBody>
+      </p:sp>
+      <p:sp>
+        <p:nvSpPr>
+          <p:cNvPr id="17" name="TextBox 16">
+            <a:extLst>
+              <a:ext uri="{FF2B5EF4-FFF2-40B4-BE49-F238E27FC236}">
+                <a16:creationId xmlns:a16="http://schemas.microsoft.com/office/drawing/2014/main" id="{FFF1666C-7CB9-FF24-F641-627FAC55138C}"/>
+              </a:ext>
+            </a:extLst>
+          </p:cNvPr>
+          <p:cNvSpPr txBox="1"/>
+          <p:nvPr/>
+        </p:nvSpPr>
+        <p:spPr>
+          <a:xfrm>
+            <a:off x="4437412" y="5045591"/>
+            <a:ext cx="415498" cy="369332"/>
+          </a:xfrm>
+          <a:prstGeom prst="rect">
+            <a:avLst/>
+          </a:prstGeom>
+          <a:noFill/>
+        </p:spPr>
+        <p:txBody>
+          <a:bodyPr wrap="none" rtlCol="0">
+            <a:spAutoFit/>
+          </a:bodyPr>
+          <a:lstStyle/>
+          <a:p>
+            <a:r>
+              <a:rPr lang="en-US" dirty="0"/>
+              <a:t>**</a:t>
+            </a:r>
+          </a:p>
+        </p:txBody>
+      </p:sp>
+      <p:sp>
+        <p:nvSpPr>
+          <p:cNvPr id="18" name="TextBox 17">
+            <a:extLst>
+              <a:ext uri="{FF2B5EF4-FFF2-40B4-BE49-F238E27FC236}">
+                <a16:creationId xmlns:a16="http://schemas.microsoft.com/office/drawing/2014/main" id="{7EFB91E5-8F75-46C6-4AA6-72EF54AA3F28}"/>
+              </a:ext>
+            </a:extLst>
+          </p:cNvPr>
+          <p:cNvSpPr txBox="1"/>
+          <p:nvPr/>
+        </p:nvSpPr>
+        <p:spPr>
+          <a:xfrm>
+            <a:off x="3057894" y="5093092"/>
+            <a:ext cx="415498" cy="369332"/>
+          </a:xfrm>
+          <a:prstGeom prst="rect">
+            <a:avLst/>
+          </a:prstGeom>
+          <a:noFill/>
+        </p:spPr>
+        <p:txBody>
+          <a:bodyPr wrap="none" rtlCol="0">
+            <a:spAutoFit/>
+          </a:bodyPr>
+          <a:lstStyle/>
+          <a:p>
+            <a:r>
+              <a:rPr lang="en-US" dirty="0"/>
+              <a:t>**</a:t>
+            </a:r>
+          </a:p>
+        </p:txBody>
+      </p:sp>
+      <p:sp>
+        <p:nvSpPr>
+          <p:cNvPr id="19" name="TextBox 18">
+            <a:extLst>
+              <a:ext uri="{FF2B5EF4-FFF2-40B4-BE49-F238E27FC236}">
+                <a16:creationId xmlns:a16="http://schemas.microsoft.com/office/drawing/2014/main" id="{BB8D2D92-7DC2-3D9F-5383-A41497849C00}"/>
+              </a:ext>
+            </a:extLst>
+          </p:cNvPr>
+          <p:cNvSpPr txBox="1"/>
+          <p:nvPr/>
+        </p:nvSpPr>
+        <p:spPr>
+          <a:xfrm>
+            <a:off x="3057894" y="2928441"/>
+            <a:ext cx="415498" cy="369332"/>
+          </a:xfrm>
+          <a:prstGeom prst="rect">
+            <a:avLst/>
+          </a:prstGeom>
+          <a:noFill/>
+        </p:spPr>
+        <p:txBody>
+          <a:bodyPr wrap="none" rtlCol="0">
+            <a:spAutoFit/>
+          </a:bodyPr>
+          <a:lstStyle/>
+          <a:p>
+            <a:r>
+              <a:rPr lang="en-US" dirty="0"/>
+              <a:t>**</a:t>
+            </a:r>
+          </a:p>
+        </p:txBody>
+      </p:sp>
+      <p:sp>
+        <p:nvSpPr>
+          <p:cNvPr id="20" name="TextBox 19">
+            <a:extLst>
+              <a:ext uri="{FF2B5EF4-FFF2-40B4-BE49-F238E27FC236}">
+                <a16:creationId xmlns:a16="http://schemas.microsoft.com/office/drawing/2014/main" id="{B5D36825-C0B7-E847-E49E-158C1C55F3B8}"/>
+              </a:ext>
+            </a:extLst>
+          </p:cNvPr>
+          <p:cNvSpPr txBox="1"/>
+          <p:nvPr/>
+        </p:nvSpPr>
+        <p:spPr>
+          <a:xfrm>
+            <a:off x="4395708" y="3018003"/>
+            <a:ext cx="415498" cy="369332"/>
+          </a:xfrm>
+          <a:prstGeom prst="rect">
+            <a:avLst/>
+          </a:prstGeom>
+          <a:noFill/>
+        </p:spPr>
+        <p:txBody>
+          <a:bodyPr wrap="none" rtlCol="0">
+            <a:spAutoFit/>
+          </a:bodyPr>
+          <a:lstStyle/>
+          <a:p>
+            <a:r>
+              <a:rPr lang="en-US" dirty="0"/>
+              <a:t>**</a:t>
+            </a:r>
+          </a:p>
+        </p:txBody>
+      </p:sp>
+    </p:spTree>
+    <p:extLst>
+      <p:ext uri="{BB962C8B-B14F-4D97-AF65-F5344CB8AC3E}">
+        <p14:creationId xmlns:p14="http://schemas.microsoft.com/office/powerpoint/2010/main" val="1394056836"/>
       </p:ext>
     </p:extLst>
   </p:cSld>
@@ -6634,36 +7445,6 @@
           <a:chExt cx="0" cy="0"/>
         </a:xfrm>
       </p:grpSpPr>
-      <p:pic>
-        <p:nvPicPr>
-          <p:cNvPr id="4" name="Picture 3">
-            <a:extLst>
-              <a:ext uri="{FF2B5EF4-FFF2-40B4-BE49-F238E27FC236}">
-                <a16:creationId xmlns:a16="http://schemas.microsoft.com/office/drawing/2014/main" id="{96429A8A-459F-AF2B-F255-A2D8CCB2F43D}"/>
-              </a:ext>
-            </a:extLst>
-          </p:cNvPr>
-          <p:cNvPicPr>
-            <a:picLocks noChangeAspect="1"/>
-          </p:cNvPicPr>
-          <p:nvPr/>
-        </p:nvPicPr>
-        <p:blipFill>
-          <a:blip r:embed="rId3"/>
-          <a:stretch>
-            <a:fillRect/>
-          </a:stretch>
-        </p:blipFill>
-        <p:spPr>
-          <a:xfrm>
-            <a:off x="2106310" y="1793296"/>
-            <a:ext cx="7668725" cy="4859501"/>
-          </a:xfrm>
-          <a:prstGeom prst="rect">
-            <a:avLst/>
-          </a:prstGeom>
-        </p:spPr>
-      </p:pic>
       <p:sp>
         <p:nvSpPr>
           <p:cNvPr id="2" name="Title 1">
@@ -6694,500 +7475,194 @@
           <a:p>
             <a:r>
               <a:rPr lang="en-US" dirty="0"/>
-              <a:t>Across all CD8 TCRs in myocarditis dataset, CDR3s are longer in those developing </a:t>
-            </a:r>
-            <a:r>
-              <a:rPr lang="en-US" dirty="0" err="1"/>
-              <a:t>irAEs</a:t>
-            </a:r>
-            <a:endParaRPr lang="en-US" dirty="0"/>
-          </a:p>
-        </p:txBody>
-      </p:sp>
-      <p:sp>
-        <p:nvSpPr>
-          <p:cNvPr id="11" name="TextBox 10">
-            <a:extLst>
-              <a:ext uri="{FF2B5EF4-FFF2-40B4-BE49-F238E27FC236}">
-                <a16:creationId xmlns:a16="http://schemas.microsoft.com/office/drawing/2014/main" id="{673B5017-82C1-B216-26CD-479B8E632ADB}"/>
-              </a:ext>
-            </a:extLst>
-          </p:cNvPr>
-          <p:cNvSpPr txBox="1"/>
-          <p:nvPr/>
+              <a:t>Next steps</a:t>
+            </a:r>
+          </a:p>
+        </p:txBody>
+      </p:sp>
+      <p:sp>
+        <p:nvSpPr>
+          <p:cNvPr id="3" name="Content Placeholder 2">
+            <a:extLst>
+              <a:ext uri="{FF2B5EF4-FFF2-40B4-BE49-F238E27FC236}">
+                <a16:creationId xmlns:a16="http://schemas.microsoft.com/office/drawing/2014/main" id="{B9501834-7B32-1ACA-4358-B630FB8EEC36}"/>
+              </a:ext>
+            </a:extLst>
+          </p:cNvPr>
+          <p:cNvSpPr>
+            <a:spLocks noGrp="1"/>
+          </p:cNvSpPr>
+          <p:nvPr>
+            <p:ph idx="1"/>
+          </p:nvPr>
         </p:nvSpPr>
         <p:spPr>
           <a:xfrm>
-            <a:off x="8767771" y="2480052"/>
-            <a:ext cx="1197764" cy="646331"/>
+            <a:off x="838200" y="1919290"/>
+            <a:ext cx="10668990" cy="4434010"/>
           </a:xfrm>
-          <a:prstGeom prst="rect">
-            <a:avLst/>
-          </a:prstGeom>
-          <a:noFill/>
         </p:spPr>
         <p:txBody>
-          <a:bodyPr wrap="none" rtlCol="0">
-            <a:spAutoFit/>
+          <a:bodyPr>
+            <a:normAutofit fontScale="85000" lnSpcReduction="20000"/>
           </a:bodyPr>
           <a:lstStyle/>
           <a:p>
             <a:r>
-              <a:rPr lang="en-US" dirty="0">
-                <a:solidFill>
-                  <a:srgbClr val="F8766D"/>
-                </a:solidFill>
-              </a:rPr>
-              <a:t>n = 7,476</a:t>
-            </a:r>
-          </a:p>
-          <a:p>
-            <a:r>
-              <a:rPr lang="en-US" dirty="0">
-                <a:solidFill>
-                  <a:srgbClr val="06BFC4"/>
-                </a:solidFill>
-              </a:rPr>
-              <a:t>n = 10,990</a:t>
-            </a:r>
-          </a:p>
-        </p:txBody>
-      </p:sp>
-      <p:sp>
-        <p:nvSpPr>
-          <p:cNvPr id="12" name="TextBox 11">
-            <a:extLst>
-              <a:ext uri="{FF2B5EF4-FFF2-40B4-BE49-F238E27FC236}">
-                <a16:creationId xmlns:a16="http://schemas.microsoft.com/office/drawing/2014/main" id="{76116468-F13E-E977-17B3-EE804882D7F3}"/>
-              </a:ext>
-            </a:extLst>
-          </p:cNvPr>
-          <p:cNvSpPr txBox="1"/>
-          <p:nvPr/>
-        </p:nvSpPr>
-        <p:spPr>
-          <a:xfrm>
-            <a:off x="3606850" y="6130366"/>
-            <a:ext cx="1053494" cy="646331"/>
-          </a:xfrm>
-          <a:prstGeom prst="rect">
-            <a:avLst/>
-          </a:prstGeom>
-          <a:noFill/>
-        </p:spPr>
-        <p:txBody>
-          <a:bodyPr wrap="none" rtlCol="0">
-            <a:spAutoFit/>
-          </a:bodyPr>
-          <a:lstStyle/>
-          <a:p>
-            <a:r>
-              <a:rPr lang="en-US" dirty="0">
-                <a:solidFill>
-                  <a:srgbClr val="F8766D"/>
-                </a:solidFill>
-              </a:rPr>
-              <a:t>n = 4,405</a:t>
-            </a:r>
-          </a:p>
-          <a:p>
-            <a:r>
-              <a:rPr lang="en-US" dirty="0">
-                <a:solidFill>
-                  <a:srgbClr val="06BFC4"/>
-                </a:solidFill>
-              </a:rPr>
-              <a:t>n = 7,166</a:t>
-            </a:r>
-          </a:p>
-        </p:txBody>
-      </p:sp>
-      <p:sp>
-        <p:nvSpPr>
-          <p:cNvPr id="13" name="TextBox 12">
-            <a:extLst>
-              <a:ext uri="{FF2B5EF4-FFF2-40B4-BE49-F238E27FC236}">
-                <a16:creationId xmlns:a16="http://schemas.microsoft.com/office/drawing/2014/main" id="{C24E7E1D-B213-2A77-C743-E2F39A5E2C64}"/>
-              </a:ext>
-            </a:extLst>
-          </p:cNvPr>
-          <p:cNvSpPr txBox="1"/>
-          <p:nvPr/>
-        </p:nvSpPr>
-        <p:spPr>
-          <a:xfrm>
-            <a:off x="7092274" y="6211669"/>
-            <a:ext cx="878767" cy="646331"/>
-          </a:xfrm>
-          <a:prstGeom prst="rect">
-            <a:avLst/>
-          </a:prstGeom>
-          <a:noFill/>
-        </p:spPr>
-        <p:txBody>
-          <a:bodyPr wrap="none" rtlCol="0">
-            <a:spAutoFit/>
-          </a:bodyPr>
-          <a:lstStyle/>
-          <a:p>
-            <a:r>
-              <a:rPr lang="en-US" dirty="0">
-                <a:solidFill>
-                  <a:srgbClr val="F8766D"/>
-                </a:solidFill>
-              </a:rPr>
-              <a:t>n = 155</a:t>
-            </a:r>
-          </a:p>
-          <a:p>
-            <a:r>
-              <a:rPr lang="en-US" dirty="0">
-                <a:solidFill>
-                  <a:srgbClr val="06BFC4"/>
-                </a:solidFill>
-              </a:rPr>
-              <a:t>n = 205</a:t>
-            </a:r>
-          </a:p>
-        </p:txBody>
-      </p:sp>
-      <p:sp>
-        <p:nvSpPr>
-          <p:cNvPr id="14" name="TextBox 13">
-            <a:extLst>
-              <a:ext uri="{FF2B5EF4-FFF2-40B4-BE49-F238E27FC236}">
-                <a16:creationId xmlns:a16="http://schemas.microsoft.com/office/drawing/2014/main" id="{6B4A3CC3-5A12-F7C5-AC7F-19C48301BC02}"/>
-              </a:ext>
-            </a:extLst>
-          </p:cNvPr>
-          <p:cNvSpPr txBox="1"/>
-          <p:nvPr/>
-        </p:nvSpPr>
-        <p:spPr>
-          <a:xfrm>
-            <a:off x="3482226" y="4375419"/>
-            <a:ext cx="415497" cy="369332"/>
-          </a:xfrm>
-          <a:prstGeom prst="rect">
-            <a:avLst/>
-          </a:prstGeom>
-          <a:noFill/>
-        </p:spPr>
-        <p:txBody>
-          <a:bodyPr wrap="square" rtlCol="0">
-            <a:spAutoFit/>
-          </a:bodyPr>
-          <a:lstStyle/>
-          <a:p>
-            <a:r>
               <a:rPr lang="en-US" dirty="0"/>
-              <a:t>**</a:t>
-            </a:r>
-          </a:p>
-        </p:txBody>
-      </p:sp>
-      <p:sp>
-        <p:nvSpPr>
-          <p:cNvPr id="15" name="TextBox 14">
-            <a:extLst>
-              <a:ext uri="{FF2B5EF4-FFF2-40B4-BE49-F238E27FC236}">
-                <a16:creationId xmlns:a16="http://schemas.microsoft.com/office/drawing/2014/main" id="{F854219B-E542-27D7-F1AE-85AB9A886442}"/>
-              </a:ext>
-            </a:extLst>
-          </p:cNvPr>
-          <p:cNvSpPr txBox="1"/>
-          <p:nvPr/>
-        </p:nvSpPr>
-        <p:spPr>
-          <a:xfrm>
-            <a:off x="4636594" y="4375419"/>
-            <a:ext cx="415498" cy="369332"/>
-          </a:xfrm>
-          <a:prstGeom prst="rect">
-            <a:avLst/>
-          </a:prstGeom>
-          <a:noFill/>
-        </p:spPr>
-        <p:txBody>
-          <a:bodyPr wrap="none" rtlCol="0">
-            <a:spAutoFit/>
-          </a:bodyPr>
-          <a:lstStyle/>
-          <a:p>
+              <a:t>Try to determine if TCR quality issue stems from V(D)J gene calling and/or CDR3 sequence</a:t>
+            </a:r>
+          </a:p>
+          <a:p>
+            <a:pPr lvl="1"/>
             <a:r>
               <a:rPr lang="en-US" dirty="0"/>
-              <a:t>**</a:t>
-            </a:r>
-          </a:p>
-        </p:txBody>
-      </p:sp>
-      <p:sp>
-        <p:nvSpPr>
-          <p:cNvPr id="5" name="TextBox 4">
-            <a:extLst>
-              <a:ext uri="{FF2B5EF4-FFF2-40B4-BE49-F238E27FC236}">
-                <a16:creationId xmlns:a16="http://schemas.microsoft.com/office/drawing/2014/main" id="{92DDBDF7-14F6-B931-3819-2AFAB77607F3}"/>
-              </a:ext>
-            </a:extLst>
-          </p:cNvPr>
-          <p:cNvSpPr txBox="1"/>
-          <p:nvPr/>
-        </p:nvSpPr>
-        <p:spPr>
-          <a:xfrm>
-            <a:off x="1316928" y="2383070"/>
-            <a:ext cx="1197764" cy="646331"/>
-          </a:xfrm>
-          <a:prstGeom prst="rect">
-            <a:avLst/>
-          </a:prstGeom>
-          <a:noFill/>
-        </p:spPr>
-        <p:txBody>
-          <a:bodyPr wrap="none" rtlCol="0">
-            <a:spAutoFit/>
-          </a:bodyPr>
-          <a:lstStyle/>
-          <a:p>
-            <a:r>
-              <a:rPr lang="en-US" dirty="0">
-                <a:solidFill>
-                  <a:srgbClr val="F8766D"/>
-                </a:solidFill>
-              </a:rPr>
-              <a:t>n = 12,036</a:t>
-            </a:r>
-          </a:p>
-          <a:p>
-            <a:r>
-              <a:rPr lang="en-US" dirty="0">
-                <a:solidFill>
-                  <a:srgbClr val="06BFC4"/>
-                </a:solidFill>
-              </a:rPr>
-              <a:t>n = 18,361</a:t>
-            </a:r>
-          </a:p>
-        </p:txBody>
-      </p:sp>
-      <p:sp>
-        <p:nvSpPr>
-          <p:cNvPr id="6" name="TextBox 5">
-            <a:extLst>
-              <a:ext uri="{FF2B5EF4-FFF2-40B4-BE49-F238E27FC236}">
-                <a16:creationId xmlns:a16="http://schemas.microsoft.com/office/drawing/2014/main" id="{64C139F9-41DF-52A8-3B1F-19ADC0E556F9}"/>
-              </a:ext>
-            </a:extLst>
-          </p:cNvPr>
-          <p:cNvSpPr txBox="1"/>
-          <p:nvPr/>
-        </p:nvSpPr>
-        <p:spPr>
-          <a:xfrm>
-            <a:off x="3505977" y="2360654"/>
-            <a:ext cx="300082" cy="369332"/>
-          </a:xfrm>
-          <a:prstGeom prst="rect">
-            <a:avLst/>
-          </a:prstGeom>
-          <a:noFill/>
-        </p:spPr>
-        <p:txBody>
-          <a:bodyPr wrap="none" rtlCol="0">
-            <a:spAutoFit/>
-          </a:bodyPr>
-          <a:lstStyle/>
+              <a:t>Could try stitching failed CDR3s with other V genes?</a:t>
+            </a:r>
+          </a:p>
           <a:p>
             <a:r>
               <a:rPr lang="en-US" dirty="0"/>
-              <a:t>*</a:t>
-            </a:r>
-          </a:p>
-        </p:txBody>
-      </p:sp>
-      <p:sp>
-        <p:nvSpPr>
-          <p:cNvPr id="7" name="TextBox 6">
-            <a:extLst>
-              <a:ext uri="{FF2B5EF4-FFF2-40B4-BE49-F238E27FC236}">
-                <a16:creationId xmlns:a16="http://schemas.microsoft.com/office/drawing/2014/main" id="{98589BDA-771E-C0D1-6D77-0E0B7018DDA9}"/>
-              </a:ext>
-            </a:extLst>
-          </p:cNvPr>
-          <p:cNvSpPr txBox="1"/>
-          <p:nvPr/>
-        </p:nvSpPr>
-        <p:spPr>
-          <a:xfrm>
-            <a:off x="4632152" y="2366510"/>
-            <a:ext cx="415497" cy="369332"/>
-          </a:xfrm>
-          <a:prstGeom prst="rect">
-            <a:avLst/>
-          </a:prstGeom>
-          <a:noFill/>
-        </p:spPr>
-        <p:txBody>
-          <a:bodyPr wrap="square" rtlCol="0">
-            <a:spAutoFit/>
-          </a:bodyPr>
-          <a:lstStyle/>
-          <a:p>
+              <a:t>Find a new dataset, test </a:t>
+            </a:r>
+            <a:r>
+              <a:rPr lang="en-US" dirty="0" err="1"/>
+              <a:t>TCRseq</a:t>
+            </a:r>
             <a:r>
               <a:rPr lang="en-US" dirty="0"/>
-              <a:t>**</a:t>
-            </a:r>
-          </a:p>
-        </p:txBody>
-      </p:sp>
-      <p:sp>
-        <p:nvSpPr>
-          <p:cNvPr id="8" name="TextBox 7">
-            <a:extLst>
-              <a:ext uri="{FF2B5EF4-FFF2-40B4-BE49-F238E27FC236}">
-                <a16:creationId xmlns:a16="http://schemas.microsoft.com/office/drawing/2014/main" id="{13324637-0E91-4759-10EA-016148D0E165}"/>
-              </a:ext>
-            </a:extLst>
-          </p:cNvPr>
-          <p:cNvSpPr txBox="1"/>
-          <p:nvPr/>
-        </p:nvSpPr>
-        <p:spPr>
-          <a:xfrm>
-            <a:off x="6675595" y="2313154"/>
-            <a:ext cx="511679" cy="369332"/>
-          </a:xfrm>
-          <a:prstGeom prst="rect">
-            <a:avLst/>
-          </a:prstGeom>
-          <a:noFill/>
-        </p:spPr>
-        <p:txBody>
-          <a:bodyPr wrap="none" rtlCol="0">
-            <a:spAutoFit/>
-          </a:bodyPr>
-          <a:lstStyle/>
-          <a:p>
+              <a:t> quality first by stitching, IMGT/</a:t>
+            </a:r>
             <a:r>
               <a:rPr lang="en-US" dirty="0" err="1"/>
-              <a:t>n.s</a:t>
+              <a:t>HighV</a:t>
             </a:r>
             <a:r>
               <a:rPr lang="en-US" dirty="0"/>
-              <a:t>.</a:t>
-            </a:r>
-          </a:p>
-        </p:txBody>
-      </p:sp>
-      <p:sp>
-        <p:nvSpPr>
-          <p:cNvPr id="9" name="TextBox 8">
-            <a:extLst>
-              <a:ext uri="{FF2B5EF4-FFF2-40B4-BE49-F238E27FC236}">
-                <a16:creationId xmlns:a16="http://schemas.microsoft.com/office/drawing/2014/main" id="{4C2C5DF6-064E-2128-50B2-E3A25A6CB107}"/>
-              </a:ext>
-            </a:extLst>
-          </p:cNvPr>
-          <p:cNvSpPr txBox="1"/>
-          <p:nvPr/>
-        </p:nvSpPr>
-        <p:spPr>
-          <a:xfrm>
-            <a:off x="7825519" y="2323051"/>
-            <a:ext cx="511679" cy="369332"/>
-          </a:xfrm>
-          <a:prstGeom prst="rect">
-            <a:avLst/>
-          </a:prstGeom>
-          <a:noFill/>
-        </p:spPr>
-        <p:txBody>
-          <a:bodyPr wrap="none" rtlCol="0">
-            <a:spAutoFit/>
-          </a:bodyPr>
-          <a:lstStyle/>
-          <a:p>
+              <a:t>-Quest</a:t>
+            </a:r>
+          </a:p>
+          <a:p>
+            <a:pPr lvl="1"/>
+            <a:r>
+              <a:rPr lang="en-US" dirty="0"/>
+              <a:t>What’s best to give up on in new </a:t>
+            </a:r>
             <a:r>
               <a:rPr lang="en-US" dirty="0" err="1"/>
-              <a:t>n.s</a:t>
+              <a:t>TCRseq</a:t>
             </a:r>
             <a:r>
               <a:rPr lang="en-US" dirty="0"/>
-              <a:t>.</a:t>
-            </a:r>
-          </a:p>
-        </p:txBody>
-      </p:sp>
-      <p:sp>
-        <p:nvSpPr>
-          <p:cNvPr id="16" name="TextBox 15">
-            <a:extLst>
-              <a:ext uri="{FF2B5EF4-FFF2-40B4-BE49-F238E27FC236}">
-                <a16:creationId xmlns:a16="http://schemas.microsoft.com/office/drawing/2014/main" id="{AE6C210A-1532-36F8-DCE0-EF247821C96C}"/>
-              </a:ext>
-            </a:extLst>
-          </p:cNvPr>
-          <p:cNvSpPr txBox="1"/>
-          <p:nvPr/>
-        </p:nvSpPr>
-        <p:spPr>
-          <a:xfrm>
-            <a:off x="6709242" y="4353727"/>
-            <a:ext cx="511679" cy="369332"/>
-          </a:xfrm>
-          <a:prstGeom prst="rect">
-            <a:avLst/>
-          </a:prstGeom>
-          <a:noFill/>
-        </p:spPr>
-        <p:txBody>
-          <a:bodyPr wrap="none" rtlCol="0">
-            <a:spAutoFit/>
-          </a:bodyPr>
-          <a:lstStyle/>
-          <a:p>
+              <a:t> dataset?</a:t>
+            </a:r>
+          </a:p>
+          <a:p>
+            <a:pPr lvl="2"/>
             <a:r>
               <a:rPr lang="en-US" dirty="0" err="1"/>
-              <a:t>n.s</a:t>
+              <a:t>sc</a:t>
             </a:r>
             <a:r>
               <a:rPr lang="en-US" dirty="0"/>
-              <a:t>.</a:t>
-            </a:r>
-          </a:p>
-        </p:txBody>
-      </p:sp>
-      <p:sp>
-        <p:nvSpPr>
-          <p:cNvPr id="17" name="TextBox 16">
-            <a:extLst>
-              <a:ext uri="{FF2B5EF4-FFF2-40B4-BE49-F238E27FC236}">
-                <a16:creationId xmlns:a16="http://schemas.microsoft.com/office/drawing/2014/main" id="{B7C2676A-817C-F7A4-C676-FDDC144CDBB6}"/>
-              </a:ext>
-            </a:extLst>
-          </p:cNvPr>
-          <p:cNvSpPr txBox="1"/>
-          <p:nvPr/>
-        </p:nvSpPr>
-        <p:spPr>
-          <a:xfrm>
-            <a:off x="8346055" y="4565503"/>
-            <a:ext cx="933269" cy="369332"/>
-          </a:xfrm>
-          <a:prstGeom prst="rect">
-            <a:avLst/>
-          </a:prstGeom>
-          <a:noFill/>
-        </p:spPr>
-        <p:txBody>
-          <a:bodyPr wrap="none" rtlCol="0">
-            <a:spAutoFit/>
-          </a:bodyPr>
-          <a:lstStyle/>
-          <a:p>
+              <a:t> vs. bulk </a:t>
+            </a:r>
+            <a:r>
+              <a:rPr lang="en-US" dirty="0" err="1"/>
+              <a:t>TCRseq</a:t>
+            </a:r>
+            <a:endParaRPr lang="en-US" dirty="0"/>
+          </a:p>
+          <a:p>
+            <a:pPr lvl="2"/>
             <a:r>
               <a:rPr lang="en-US" dirty="0"/>
-              <a:t>p = 0.08</a:t>
+              <a:t>Inclusion of (</a:t>
+            </a:r>
+            <a:r>
+              <a:rPr lang="en-US" dirty="0" err="1"/>
+              <a:t>sc</a:t>
+            </a:r>
+            <a:r>
+              <a:rPr lang="en-US" dirty="0"/>
+              <a:t>)</a:t>
+            </a:r>
+            <a:r>
+              <a:rPr lang="en-US" dirty="0" err="1"/>
+              <a:t>RNAseq</a:t>
+            </a:r>
+            <a:endParaRPr lang="en-US" dirty="0"/>
+          </a:p>
+          <a:p>
+            <a:pPr lvl="2"/>
+            <a:r>
+              <a:rPr lang="en-US" dirty="0"/>
+              <a:t>High number of patients</a:t>
+            </a:r>
+          </a:p>
+          <a:p>
+            <a:pPr lvl="2"/>
+            <a:r>
+              <a:rPr lang="en-US" dirty="0" err="1"/>
+              <a:t>irAE</a:t>
+            </a:r>
+            <a:r>
+              <a:rPr lang="en-US" dirty="0"/>
+              <a:t> tracking</a:t>
+            </a:r>
+          </a:p>
+          <a:p>
+            <a:r>
+              <a:rPr lang="en-US" dirty="0"/>
+              <a:t>Merge all IMGT/</a:t>
+            </a:r>
+            <a:r>
+              <a:rPr lang="en-US" dirty="0" err="1"/>
+              <a:t>HighV</a:t>
+            </a:r>
+            <a:r>
+              <a:rPr lang="en-US" dirty="0"/>
+              <a:t>-Quest called productive TCRs across datasets?</a:t>
+            </a:r>
+          </a:p>
+          <a:p>
+            <a:r>
+              <a:rPr lang="en-US" dirty="0"/>
+              <a:t>Extending feature analysis</a:t>
+            </a:r>
+          </a:p>
+          <a:p>
+            <a:pPr lvl="1"/>
+            <a:r>
+              <a:rPr lang="en-US" dirty="0"/>
+              <a:t>Predicted energy of TCR-</a:t>
+            </a:r>
+            <a:r>
+              <a:rPr lang="en-US" dirty="0" err="1"/>
+              <a:t>pMHC</a:t>
+            </a:r>
+            <a:r>
+              <a:rPr lang="en-US" dirty="0"/>
+              <a:t> interaction across diverse </a:t>
+            </a:r>
+            <a:r>
+              <a:rPr lang="en-US" dirty="0" err="1"/>
+              <a:t>pMHCs</a:t>
+            </a:r>
+            <a:endParaRPr lang="en-US" dirty="0"/>
+          </a:p>
+          <a:p>
+            <a:pPr lvl="1"/>
+            <a:r>
+              <a:rPr lang="en-US" dirty="0"/>
+              <a:t>CDR3 AA charge, volume, polarity</a:t>
+            </a:r>
+          </a:p>
+          <a:p>
+            <a:pPr lvl="1"/>
+            <a:r>
+              <a:rPr lang="en-US" dirty="0"/>
+              <a:t>Focusing on central 5 AA of CDR3</a:t>
             </a:r>
           </a:p>
         </p:txBody>
@@ -7195,7 +7670,7 @@
     </p:spTree>
     <p:extLst>
       <p:ext uri="{BB962C8B-B14F-4D97-AF65-F5344CB8AC3E}">
-        <p14:creationId xmlns:p14="http://schemas.microsoft.com/office/powerpoint/2010/main" val="1661725870"/>
+        <p14:creationId xmlns:p14="http://schemas.microsoft.com/office/powerpoint/2010/main" val="723208098"/>
       </p:ext>
     </p:extLst>
   </p:cSld>
@@ -7224,10 +7699,10 @@
       </p:grpSpPr>
       <p:pic>
         <p:nvPicPr>
-          <p:cNvPr id="9" name="Picture 8">
-            <a:extLst>
-              <a:ext uri="{FF2B5EF4-FFF2-40B4-BE49-F238E27FC236}">
-                <a16:creationId xmlns:a16="http://schemas.microsoft.com/office/drawing/2014/main" id="{E71B7554-795E-EC6B-FD01-27FF385E47FF}"/>
+          <p:cNvPr id="4" name="Picture 3">
+            <a:extLst>
+              <a:ext uri="{FF2B5EF4-FFF2-40B4-BE49-F238E27FC236}">
+                <a16:creationId xmlns:a16="http://schemas.microsoft.com/office/drawing/2014/main" id="{96429A8A-459F-AF2B-F255-A2D8CCB2F43D}"/>
               </a:ext>
             </a:extLst>
           </p:cNvPr>
@@ -7244,8 +7719,8 @@
         </p:blipFill>
         <p:spPr>
           <a:xfrm>
-            <a:off x="2067473" y="1712031"/>
-            <a:ext cx="7772400" cy="4794087"/>
+            <a:off x="2106310" y="1793296"/>
+            <a:ext cx="7668725" cy="4859501"/>
           </a:xfrm>
           <a:prstGeom prst="rect">
             <a:avLst/>
@@ -7282,25 +7757,22 @@
           <a:p>
             <a:r>
               <a:rPr lang="en-US" dirty="0"/>
-              <a:t>TCR repertoires equally diverse in both </a:t>
+              <a:t>Across all CD8 TCRs in myocarditis dataset, CDR3s are longer in those developing </a:t>
             </a:r>
             <a:r>
               <a:rPr lang="en-US" dirty="0" err="1"/>
-              <a:t>irAE</a:t>
-            </a:r>
-            <a:r>
-              <a:rPr lang="en-US" dirty="0"/>
-              <a:t> groups across cell types in myocarditis dataset</a:t>
-            </a:r>
-          </a:p>
-        </p:txBody>
-      </p:sp>
-      <p:sp>
-        <p:nvSpPr>
-          <p:cNvPr id="5" name="TextBox 4">
-            <a:extLst>
-              <a:ext uri="{FF2B5EF4-FFF2-40B4-BE49-F238E27FC236}">
-                <a16:creationId xmlns:a16="http://schemas.microsoft.com/office/drawing/2014/main" id="{00ABD9A8-8B98-E057-7339-C8B42AB1DA01}"/>
+              <a:t>irAEs</a:t>
+            </a:r>
+            <a:endParaRPr lang="en-US" dirty="0"/>
+          </a:p>
+        </p:txBody>
+      </p:sp>
+      <p:sp>
+        <p:nvSpPr>
+          <p:cNvPr id="11" name="TextBox 10">
+            <a:extLst>
+              <a:ext uri="{FF2B5EF4-FFF2-40B4-BE49-F238E27FC236}">
+                <a16:creationId xmlns:a16="http://schemas.microsoft.com/office/drawing/2014/main" id="{673B5017-82C1-B216-26CD-479B8E632ADB}"/>
               </a:ext>
             </a:extLst>
           </p:cNvPr>
@@ -7309,7 +7781,343 @@
         </p:nvSpPr>
         <p:spPr>
           <a:xfrm>
-            <a:off x="3063834" y="2240383"/>
+            <a:off x="8767771" y="2480052"/>
+            <a:ext cx="1197764" cy="646331"/>
+          </a:xfrm>
+          <a:prstGeom prst="rect">
+            <a:avLst/>
+          </a:prstGeom>
+          <a:noFill/>
+        </p:spPr>
+        <p:txBody>
+          <a:bodyPr wrap="none" rtlCol="0">
+            <a:spAutoFit/>
+          </a:bodyPr>
+          <a:lstStyle/>
+          <a:p>
+            <a:r>
+              <a:rPr lang="en-US" dirty="0">
+                <a:solidFill>
+                  <a:srgbClr val="F8766D"/>
+                </a:solidFill>
+              </a:rPr>
+              <a:t>n = 7,476</a:t>
+            </a:r>
+          </a:p>
+          <a:p>
+            <a:r>
+              <a:rPr lang="en-US" dirty="0">
+                <a:solidFill>
+                  <a:srgbClr val="06BFC4"/>
+                </a:solidFill>
+              </a:rPr>
+              <a:t>n = 10,990</a:t>
+            </a:r>
+          </a:p>
+        </p:txBody>
+      </p:sp>
+      <p:sp>
+        <p:nvSpPr>
+          <p:cNvPr id="12" name="TextBox 11">
+            <a:extLst>
+              <a:ext uri="{FF2B5EF4-FFF2-40B4-BE49-F238E27FC236}">
+                <a16:creationId xmlns:a16="http://schemas.microsoft.com/office/drawing/2014/main" id="{76116468-F13E-E977-17B3-EE804882D7F3}"/>
+              </a:ext>
+            </a:extLst>
+          </p:cNvPr>
+          <p:cNvSpPr txBox="1"/>
+          <p:nvPr/>
+        </p:nvSpPr>
+        <p:spPr>
+          <a:xfrm>
+            <a:off x="3606850" y="6130366"/>
+            <a:ext cx="1053494" cy="646331"/>
+          </a:xfrm>
+          <a:prstGeom prst="rect">
+            <a:avLst/>
+          </a:prstGeom>
+          <a:noFill/>
+        </p:spPr>
+        <p:txBody>
+          <a:bodyPr wrap="none" rtlCol="0">
+            <a:spAutoFit/>
+          </a:bodyPr>
+          <a:lstStyle/>
+          <a:p>
+            <a:r>
+              <a:rPr lang="en-US" dirty="0">
+                <a:solidFill>
+                  <a:srgbClr val="F8766D"/>
+                </a:solidFill>
+              </a:rPr>
+              <a:t>n = 4,405</a:t>
+            </a:r>
+          </a:p>
+          <a:p>
+            <a:r>
+              <a:rPr lang="en-US" dirty="0">
+                <a:solidFill>
+                  <a:srgbClr val="06BFC4"/>
+                </a:solidFill>
+              </a:rPr>
+              <a:t>n = 7,166</a:t>
+            </a:r>
+          </a:p>
+        </p:txBody>
+      </p:sp>
+      <p:sp>
+        <p:nvSpPr>
+          <p:cNvPr id="13" name="TextBox 12">
+            <a:extLst>
+              <a:ext uri="{FF2B5EF4-FFF2-40B4-BE49-F238E27FC236}">
+                <a16:creationId xmlns:a16="http://schemas.microsoft.com/office/drawing/2014/main" id="{C24E7E1D-B213-2A77-C743-E2F39A5E2C64}"/>
+              </a:ext>
+            </a:extLst>
+          </p:cNvPr>
+          <p:cNvSpPr txBox="1"/>
+          <p:nvPr/>
+        </p:nvSpPr>
+        <p:spPr>
+          <a:xfrm>
+            <a:off x="7092274" y="6211669"/>
+            <a:ext cx="878767" cy="646331"/>
+          </a:xfrm>
+          <a:prstGeom prst="rect">
+            <a:avLst/>
+          </a:prstGeom>
+          <a:noFill/>
+        </p:spPr>
+        <p:txBody>
+          <a:bodyPr wrap="none" rtlCol="0">
+            <a:spAutoFit/>
+          </a:bodyPr>
+          <a:lstStyle/>
+          <a:p>
+            <a:r>
+              <a:rPr lang="en-US" dirty="0">
+                <a:solidFill>
+                  <a:srgbClr val="F8766D"/>
+                </a:solidFill>
+              </a:rPr>
+              <a:t>n = 155</a:t>
+            </a:r>
+          </a:p>
+          <a:p>
+            <a:r>
+              <a:rPr lang="en-US" dirty="0">
+                <a:solidFill>
+                  <a:srgbClr val="06BFC4"/>
+                </a:solidFill>
+              </a:rPr>
+              <a:t>n = 205</a:t>
+            </a:r>
+          </a:p>
+        </p:txBody>
+      </p:sp>
+      <p:sp>
+        <p:nvSpPr>
+          <p:cNvPr id="14" name="TextBox 13">
+            <a:extLst>
+              <a:ext uri="{FF2B5EF4-FFF2-40B4-BE49-F238E27FC236}">
+                <a16:creationId xmlns:a16="http://schemas.microsoft.com/office/drawing/2014/main" id="{6B4A3CC3-5A12-F7C5-AC7F-19C48301BC02}"/>
+              </a:ext>
+            </a:extLst>
+          </p:cNvPr>
+          <p:cNvSpPr txBox="1"/>
+          <p:nvPr/>
+        </p:nvSpPr>
+        <p:spPr>
+          <a:xfrm>
+            <a:off x="3482226" y="4375419"/>
+            <a:ext cx="415497" cy="369332"/>
+          </a:xfrm>
+          <a:prstGeom prst="rect">
+            <a:avLst/>
+          </a:prstGeom>
+          <a:noFill/>
+        </p:spPr>
+        <p:txBody>
+          <a:bodyPr wrap="square" rtlCol="0">
+            <a:spAutoFit/>
+          </a:bodyPr>
+          <a:lstStyle/>
+          <a:p>
+            <a:r>
+              <a:rPr lang="en-US" dirty="0"/>
+              <a:t>**</a:t>
+            </a:r>
+          </a:p>
+        </p:txBody>
+      </p:sp>
+      <p:sp>
+        <p:nvSpPr>
+          <p:cNvPr id="15" name="TextBox 14">
+            <a:extLst>
+              <a:ext uri="{FF2B5EF4-FFF2-40B4-BE49-F238E27FC236}">
+                <a16:creationId xmlns:a16="http://schemas.microsoft.com/office/drawing/2014/main" id="{F854219B-E542-27D7-F1AE-85AB9A886442}"/>
+              </a:ext>
+            </a:extLst>
+          </p:cNvPr>
+          <p:cNvSpPr txBox="1"/>
+          <p:nvPr/>
+        </p:nvSpPr>
+        <p:spPr>
+          <a:xfrm>
+            <a:off x="4636594" y="4375419"/>
+            <a:ext cx="415498" cy="369332"/>
+          </a:xfrm>
+          <a:prstGeom prst="rect">
+            <a:avLst/>
+          </a:prstGeom>
+          <a:noFill/>
+        </p:spPr>
+        <p:txBody>
+          <a:bodyPr wrap="none" rtlCol="0">
+            <a:spAutoFit/>
+          </a:bodyPr>
+          <a:lstStyle/>
+          <a:p>
+            <a:r>
+              <a:rPr lang="en-US" dirty="0"/>
+              <a:t>**</a:t>
+            </a:r>
+          </a:p>
+        </p:txBody>
+      </p:sp>
+      <p:sp>
+        <p:nvSpPr>
+          <p:cNvPr id="5" name="TextBox 4">
+            <a:extLst>
+              <a:ext uri="{FF2B5EF4-FFF2-40B4-BE49-F238E27FC236}">
+                <a16:creationId xmlns:a16="http://schemas.microsoft.com/office/drawing/2014/main" id="{92DDBDF7-14F6-B931-3819-2AFAB77607F3}"/>
+              </a:ext>
+            </a:extLst>
+          </p:cNvPr>
+          <p:cNvSpPr txBox="1"/>
+          <p:nvPr/>
+        </p:nvSpPr>
+        <p:spPr>
+          <a:xfrm>
+            <a:off x="1316928" y="2383070"/>
+            <a:ext cx="1197764" cy="646331"/>
+          </a:xfrm>
+          <a:prstGeom prst="rect">
+            <a:avLst/>
+          </a:prstGeom>
+          <a:noFill/>
+        </p:spPr>
+        <p:txBody>
+          <a:bodyPr wrap="none" rtlCol="0">
+            <a:spAutoFit/>
+          </a:bodyPr>
+          <a:lstStyle/>
+          <a:p>
+            <a:r>
+              <a:rPr lang="en-US" dirty="0">
+                <a:solidFill>
+                  <a:srgbClr val="F8766D"/>
+                </a:solidFill>
+              </a:rPr>
+              <a:t>n = 12,036</a:t>
+            </a:r>
+          </a:p>
+          <a:p>
+            <a:r>
+              <a:rPr lang="en-US" dirty="0">
+                <a:solidFill>
+                  <a:srgbClr val="06BFC4"/>
+                </a:solidFill>
+              </a:rPr>
+              <a:t>n = 18,361</a:t>
+            </a:r>
+          </a:p>
+        </p:txBody>
+      </p:sp>
+      <p:sp>
+        <p:nvSpPr>
+          <p:cNvPr id="6" name="TextBox 5">
+            <a:extLst>
+              <a:ext uri="{FF2B5EF4-FFF2-40B4-BE49-F238E27FC236}">
+                <a16:creationId xmlns:a16="http://schemas.microsoft.com/office/drawing/2014/main" id="{64C139F9-41DF-52A8-3B1F-19ADC0E556F9}"/>
+              </a:ext>
+            </a:extLst>
+          </p:cNvPr>
+          <p:cNvSpPr txBox="1"/>
+          <p:nvPr/>
+        </p:nvSpPr>
+        <p:spPr>
+          <a:xfrm>
+            <a:off x="3505977" y="2360654"/>
+            <a:ext cx="300082" cy="369332"/>
+          </a:xfrm>
+          <a:prstGeom prst="rect">
+            <a:avLst/>
+          </a:prstGeom>
+          <a:noFill/>
+        </p:spPr>
+        <p:txBody>
+          <a:bodyPr wrap="none" rtlCol="0">
+            <a:spAutoFit/>
+          </a:bodyPr>
+          <a:lstStyle/>
+          <a:p>
+            <a:r>
+              <a:rPr lang="en-US" dirty="0"/>
+              <a:t>*</a:t>
+            </a:r>
+          </a:p>
+        </p:txBody>
+      </p:sp>
+      <p:sp>
+        <p:nvSpPr>
+          <p:cNvPr id="7" name="TextBox 6">
+            <a:extLst>
+              <a:ext uri="{FF2B5EF4-FFF2-40B4-BE49-F238E27FC236}">
+                <a16:creationId xmlns:a16="http://schemas.microsoft.com/office/drawing/2014/main" id="{98589BDA-771E-C0D1-6D77-0E0B7018DDA9}"/>
+              </a:ext>
+            </a:extLst>
+          </p:cNvPr>
+          <p:cNvSpPr txBox="1"/>
+          <p:nvPr/>
+        </p:nvSpPr>
+        <p:spPr>
+          <a:xfrm>
+            <a:off x="4632152" y="2366510"/>
+            <a:ext cx="415497" cy="369332"/>
+          </a:xfrm>
+          <a:prstGeom prst="rect">
+            <a:avLst/>
+          </a:prstGeom>
+          <a:noFill/>
+        </p:spPr>
+        <p:txBody>
+          <a:bodyPr wrap="square" rtlCol="0">
+            <a:spAutoFit/>
+          </a:bodyPr>
+          <a:lstStyle/>
+          <a:p>
+            <a:r>
+              <a:rPr lang="en-US" dirty="0"/>
+              <a:t>**</a:t>
+            </a:r>
+          </a:p>
+        </p:txBody>
+      </p:sp>
+      <p:sp>
+        <p:nvSpPr>
+          <p:cNvPr id="8" name="TextBox 7">
+            <a:extLst>
+              <a:ext uri="{FF2B5EF4-FFF2-40B4-BE49-F238E27FC236}">
+                <a16:creationId xmlns:a16="http://schemas.microsoft.com/office/drawing/2014/main" id="{13324637-0E91-4759-10EA-016148D0E165}"/>
+              </a:ext>
+            </a:extLst>
+          </p:cNvPr>
+          <p:cNvSpPr txBox="1"/>
+          <p:nvPr/>
+        </p:nvSpPr>
+        <p:spPr>
+          <a:xfrm>
+            <a:off x="6675595" y="2313154"/>
             <a:ext cx="511679" cy="369332"/>
           </a:xfrm>
           <a:prstGeom prst="rect">
@@ -7336,10 +8144,10 @@
       </p:sp>
       <p:sp>
         <p:nvSpPr>
-          <p:cNvPr id="6" name="TextBox 5">
-            <a:extLst>
-              <a:ext uri="{FF2B5EF4-FFF2-40B4-BE49-F238E27FC236}">
-                <a16:creationId xmlns:a16="http://schemas.microsoft.com/office/drawing/2014/main" id="{60235800-4D3C-EF2D-F235-EB075E9676F4}"/>
+          <p:cNvPr id="9" name="TextBox 8">
+            <a:extLst>
+              <a:ext uri="{FF2B5EF4-FFF2-40B4-BE49-F238E27FC236}">
+                <a16:creationId xmlns:a16="http://schemas.microsoft.com/office/drawing/2014/main" id="{4C2C5DF6-064E-2128-50B2-E3A25A6CB107}"/>
               </a:ext>
             </a:extLst>
           </p:cNvPr>
@@ -7348,7 +8156,7 @@
         </p:nvSpPr>
         <p:spPr>
           <a:xfrm>
-            <a:off x="7089989" y="2291938"/>
+            <a:off x="7825519" y="2323051"/>
             <a:ext cx="511679" cy="369332"/>
           </a:xfrm>
           <a:prstGeom prst="rect">
@@ -7375,10 +8183,10 @@
       </p:sp>
       <p:sp>
         <p:nvSpPr>
-          <p:cNvPr id="7" name="TextBox 6">
-            <a:extLst>
-              <a:ext uri="{FF2B5EF4-FFF2-40B4-BE49-F238E27FC236}">
-                <a16:creationId xmlns:a16="http://schemas.microsoft.com/office/drawing/2014/main" id="{A41EC606-3131-4643-331A-BA04063294BF}"/>
+          <p:cNvPr id="16" name="TextBox 15">
+            <a:extLst>
+              <a:ext uri="{FF2B5EF4-FFF2-40B4-BE49-F238E27FC236}">
+                <a16:creationId xmlns:a16="http://schemas.microsoft.com/office/drawing/2014/main" id="{AE6C210A-1532-36F8-DCE0-EF247821C96C}"/>
               </a:ext>
             </a:extLst>
           </p:cNvPr>
@@ -7387,85 +8195,7 @@
         </p:nvSpPr>
         <p:spPr>
           <a:xfrm>
-            <a:off x="9568491" y="3684758"/>
-            <a:ext cx="788999" cy="369332"/>
-          </a:xfrm>
-          <a:prstGeom prst="rect">
-            <a:avLst/>
-          </a:prstGeom>
-          <a:noFill/>
-        </p:spPr>
-        <p:txBody>
-          <a:bodyPr wrap="none" rtlCol="0">
-            <a:spAutoFit/>
-          </a:bodyPr>
-          <a:lstStyle/>
-          <a:p>
-            <a:r>
-              <a:rPr lang="en-US" dirty="0">
-                <a:solidFill>
-                  <a:srgbClr val="F7756C"/>
-                </a:solidFill>
-              </a:rPr>
-              <a:t>n = 16</a:t>
-            </a:r>
-          </a:p>
-        </p:txBody>
-      </p:sp>
-      <p:sp>
-        <p:nvSpPr>
-          <p:cNvPr id="8" name="TextBox 7">
-            <a:extLst>
-              <a:ext uri="{FF2B5EF4-FFF2-40B4-BE49-F238E27FC236}">
-                <a16:creationId xmlns:a16="http://schemas.microsoft.com/office/drawing/2014/main" id="{3191DC46-BC6C-EF97-3B17-A44879B0FF4F}"/>
-              </a:ext>
-            </a:extLst>
-          </p:cNvPr>
-          <p:cNvSpPr txBox="1"/>
-          <p:nvPr/>
-        </p:nvSpPr>
-        <p:spPr>
-          <a:xfrm>
-            <a:off x="9582118" y="4028037"/>
-            <a:ext cx="761747" cy="369332"/>
-          </a:xfrm>
-          <a:prstGeom prst="rect">
-            <a:avLst/>
-          </a:prstGeom>
-          <a:noFill/>
-        </p:spPr>
-        <p:txBody>
-          <a:bodyPr wrap="none" rtlCol="0">
-            <a:spAutoFit/>
-          </a:bodyPr>
-          <a:lstStyle/>
-          <a:p>
-            <a:r>
-              <a:rPr lang="en-US" dirty="0">
-                <a:solidFill>
-                  <a:srgbClr val="06BFC4"/>
-                </a:solidFill>
-              </a:rPr>
-              <a:t>n = 34</a:t>
-            </a:r>
-          </a:p>
-        </p:txBody>
-      </p:sp>
-      <p:sp>
-        <p:nvSpPr>
-          <p:cNvPr id="10" name="TextBox 9">
-            <a:extLst>
-              <a:ext uri="{FF2B5EF4-FFF2-40B4-BE49-F238E27FC236}">
-                <a16:creationId xmlns:a16="http://schemas.microsoft.com/office/drawing/2014/main" id="{BAE42366-BB7B-4A2A-238E-8B1BCE4FAD21}"/>
-              </a:ext>
-            </a:extLst>
-          </p:cNvPr>
-          <p:cNvSpPr txBox="1"/>
-          <p:nvPr/>
-        </p:nvSpPr>
-        <p:spPr>
-          <a:xfrm>
-            <a:off x="3820797" y="2240383"/>
+            <a:off x="6709242" y="4353727"/>
             <a:ext cx="511679" cy="369332"/>
           </a:xfrm>
           <a:prstGeom prst="rect">
@@ -7492,10 +8222,10 @@
       </p:sp>
       <p:sp>
         <p:nvSpPr>
-          <p:cNvPr id="11" name="TextBox 10">
-            <a:extLst>
-              <a:ext uri="{FF2B5EF4-FFF2-40B4-BE49-F238E27FC236}">
-                <a16:creationId xmlns:a16="http://schemas.microsoft.com/office/drawing/2014/main" id="{074F2899-6B00-47AB-7A4F-3576FFE566C1}"/>
+          <p:cNvPr id="17" name="TextBox 16">
+            <a:extLst>
+              <a:ext uri="{FF2B5EF4-FFF2-40B4-BE49-F238E27FC236}">
+                <a16:creationId xmlns:a16="http://schemas.microsoft.com/office/drawing/2014/main" id="{B7C2676A-817C-F7A4-C676-FDDC144CDBB6}"/>
               </a:ext>
             </a:extLst>
           </p:cNvPr>
@@ -7504,8 +8234,8 @@
         </p:nvSpPr>
         <p:spPr>
           <a:xfrm>
-            <a:off x="5014864" y="2240383"/>
-            <a:ext cx="511679" cy="369332"/>
+            <a:off x="8346055" y="4565503"/>
+            <a:ext cx="933269" cy="369332"/>
           </a:xfrm>
           <a:prstGeom prst="rect">
             <a:avLst/>
@@ -7519,90 +8249,8 @@
           <a:lstStyle/>
           <a:p>
             <a:r>
-              <a:rPr lang="en-US" dirty="0" err="1"/>
-              <a:t>n.s</a:t>
-            </a:r>
-            <a:r>
               <a:rPr lang="en-US" dirty="0"/>
-              <a:t>.</a:t>
-            </a:r>
-          </a:p>
-        </p:txBody>
-      </p:sp>
-      <p:sp>
-        <p:nvSpPr>
-          <p:cNvPr id="12" name="TextBox 11">
-            <a:extLst>
-              <a:ext uri="{FF2B5EF4-FFF2-40B4-BE49-F238E27FC236}">
-                <a16:creationId xmlns:a16="http://schemas.microsoft.com/office/drawing/2014/main" id="{B56CCD3A-4F9E-4AB1-2B59-45A6413613DE}"/>
-              </a:ext>
-            </a:extLst>
-          </p:cNvPr>
-          <p:cNvSpPr txBox="1"/>
-          <p:nvPr/>
-        </p:nvSpPr>
-        <p:spPr>
-          <a:xfrm>
-            <a:off x="5840160" y="2240383"/>
-            <a:ext cx="511679" cy="369332"/>
-          </a:xfrm>
-          <a:prstGeom prst="rect">
-            <a:avLst/>
-          </a:prstGeom>
-          <a:noFill/>
-        </p:spPr>
-        <p:txBody>
-          <a:bodyPr wrap="none" rtlCol="0">
-            <a:spAutoFit/>
-          </a:bodyPr>
-          <a:lstStyle/>
-          <a:p>
-            <a:r>
-              <a:rPr lang="en-US" dirty="0" err="1"/>
-              <a:t>n.s</a:t>
-            </a:r>
-            <a:r>
-              <a:rPr lang="en-US" dirty="0"/>
-              <a:t>.</a:t>
-            </a:r>
-          </a:p>
-        </p:txBody>
-      </p:sp>
-      <p:sp>
-        <p:nvSpPr>
-          <p:cNvPr id="13" name="TextBox 12">
-            <a:extLst>
-              <a:ext uri="{FF2B5EF4-FFF2-40B4-BE49-F238E27FC236}">
-                <a16:creationId xmlns:a16="http://schemas.microsoft.com/office/drawing/2014/main" id="{0B184F83-8D75-ADBD-F067-56EAD176808F}"/>
-              </a:ext>
-            </a:extLst>
-          </p:cNvPr>
-          <p:cNvSpPr txBox="1"/>
-          <p:nvPr/>
-        </p:nvSpPr>
-        <p:spPr>
-          <a:xfrm>
-            <a:off x="7892416" y="2291938"/>
-            <a:ext cx="511679" cy="369332"/>
-          </a:xfrm>
-          <a:prstGeom prst="rect">
-            <a:avLst/>
-          </a:prstGeom>
-          <a:noFill/>
-        </p:spPr>
-        <p:txBody>
-          <a:bodyPr wrap="none" rtlCol="0">
-            <a:spAutoFit/>
-          </a:bodyPr>
-          <a:lstStyle/>
-          <a:p>
-            <a:r>
-              <a:rPr lang="en-US" dirty="0" err="1"/>
-              <a:t>n.s</a:t>
-            </a:r>
-            <a:r>
-              <a:rPr lang="en-US" dirty="0"/>
-              <a:t>.</a:t>
+              <a:t>p = 0.08</a:t>
             </a:r>
           </a:p>
         </p:txBody>
@@ -7610,7 +8258,7 @@
     </p:spTree>
     <p:extLst>
       <p:ext uri="{BB962C8B-B14F-4D97-AF65-F5344CB8AC3E}">
-        <p14:creationId xmlns:p14="http://schemas.microsoft.com/office/powerpoint/2010/main" val="116452459"/>
+        <p14:creationId xmlns:p14="http://schemas.microsoft.com/office/powerpoint/2010/main" val="639705395"/>
       </p:ext>
     </p:extLst>
   </p:cSld>
@@ -7667,194 +8315,137 @@
           <a:p>
             <a:r>
               <a:rPr lang="en-US" dirty="0"/>
-              <a:t>Next steps</a:t>
-            </a:r>
-          </a:p>
-        </p:txBody>
-      </p:sp>
-      <p:sp>
-        <p:nvSpPr>
-          <p:cNvPr id="3" name="Content Placeholder 2">
-            <a:extLst>
-              <a:ext uri="{FF2B5EF4-FFF2-40B4-BE49-F238E27FC236}">
-                <a16:creationId xmlns:a16="http://schemas.microsoft.com/office/drawing/2014/main" id="{B9501834-7B32-1ACA-4358-B630FB8EEC36}"/>
-              </a:ext>
-            </a:extLst>
-          </p:cNvPr>
-          <p:cNvSpPr>
-            <a:spLocks noGrp="1"/>
-          </p:cNvSpPr>
-          <p:nvPr>
-            <p:ph idx="1"/>
-          </p:nvPr>
-        </p:nvSpPr>
+              <a:t>Within highly expanded T cells, still observe CDR3 length differences within CD8 T cells across both chains</a:t>
+            </a:r>
+          </a:p>
+        </p:txBody>
+      </p:sp>
+      <p:pic>
+        <p:nvPicPr>
+          <p:cNvPr id="12" name="Picture 11">
+            <a:extLst>
+              <a:ext uri="{FF2B5EF4-FFF2-40B4-BE49-F238E27FC236}">
+                <a16:creationId xmlns:a16="http://schemas.microsoft.com/office/drawing/2014/main" id="{54560205-5ECD-BD32-4B2E-9613C366A194}"/>
+              </a:ext>
+            </a:extLst>
+          </p:cNvPr>
+          <p:cNvPicPr>
+            <a:picLocks noChangeAspect="1"/>
+          </p:cNvPicPr>
+          <p:nvPr/>
+        </p:nvPicPr>
+        <p:blipFill>
+          <a:blip r:embed="rId3"/>
+          <a:stretch>
+            <a:fillRect/>
+          </a:stretch>
+        </p:blipFill>
         <p:spPr>
           <a:xfrm>
-            <a:off x="838200" y="1919290"/>
-            <a:ext cx="10668990" cy="4434010"/>
+            <a:off x="95002" y="2541981"/>
+            <a:ext cx="5937662" cy="3793506"/>
           </a:xfrm>
+          <a:prstGeom prst="rect">
+            <a:avLst/>
+          </a:prstGeom>
         </p:spPr>
-        <p:txBody>
-          <a:bodyPr>
-            <a:normAutofit fontScale="85000" lnSpcReduction="20000"/>
+      </p:pic>
+      <p:pic>
+        <p:nvPicPr>
+          <p:cNvPr id="14" name="Picture 13">
+            <a:extLst>
+              <a:ext uri="{FF2B5EF4-FFF2-40B4-BE49-F238E27FC236}">
+                <a16:creationId xmlns:a16="http://schemas.microsoft.com/office/drawing/2014/main" id="{0400FDB2-B50A-4A39-BEED-1A5878D7F58D}"/>
+              </a:ext>
+            </a:extLst>
+          </p:cNvPr>
+          <p:cNvPicPr>
+            <a:picLocks noChangeAspect="1"/>
+          </p:cNvPicPr>
+          <p:nvPr/>
+        </p:nvPicPr>
+        <p:blipFill>
+          <a:blip r:embed="rId4"/>
+          <a:stretch>
+            <a:fillRect/>
+          </a:stretch>
+        </p:blipFill>
+        <p:spPr>
+          <a:xfrm>
+            <a:off x="6191002" y="2616486"/>
+            <a:ext cx="5647706" cy="3644495"/>
+          </a:xfrm>
+          <a:prstGeom prst="rect">
+            <a:avLst/>
+          </a:prstGeom>
+        </p:spPr>
+      </p:pic>
+      <p:sp>
+        <p:nvSpPr>
+          <p:cNvPr id="15" name="TextBox 14">
+            <a:extLst>
+              <a:ext uri="{FF2B5EF4-FFF2-40B4-BE49-F238E27FC236}">
+                <a16:creationId xmlns:a16="http://schemas.microsoft.com/office/drawing/2014/main" id="{3146E73E-7B77-1935-CBE9-CD8AA108EBFB}"/>
+              </a:ext>
+            </a:extLst>
+          </p:cNvPr>
+          <p:cNvSpPr txBox="1"/>
+          <p:nvPr/>
+        </p:nvSpPr>
+        <p:spPr>
+          <a:xfrm>
+            <a:off x="7754587" y="2172649"/>
+            <a:ext cx="2957669" cy="369332"/>
+          </a:xfrm>
+          <a:prstGeom prst="rect">
+            <a:avLst/>
+          </a:prstGeom>
+          <a:noFill/>
+        </p:spPr>
+        <p:txBody>
+          <a:bodyPr wrap="none" rtlCol="0">
+            <a:spAutoFit/>
           </a:bodyPr>
           <a:lstStyle/>
           <a:p>
             <a:r>
               <a:rPr lang="en-US" dirty="0"/>
-              <a:t>Try to determine if TCR quality issue stems from V(D)J gene calling and/or CDR3 sequence</a:t>
-            </a:r>
-          </a:p>
-          <a:p>
-            <a:pPr lvl="1"/>
+              <a:t>Unique highly expanded TCRs</a:t>
+            </a:r>
+          </a:p>
+        </p:txBody>
+      </p:sp>
+      <p:sp>
+        <p:nvSpPr>
+          <p:cNvPr id="16" name="TextBox 15">
+            <a:extLst>
+              <a:ext uri="{FF2B5EF4-FFF2-40B4-BE49-F238E27FC236}">
+                <a16:creationId xmlns:a16="http://schemas.microsoft.com/office/drawing/2014/main" id="{742F4EFE-9BB3-36EC-250D-36C4BB72597C}"/>
+              </a:ext>
+            </a:extLst>
+          </p:cNvPr>
+          <p:cNvSpPr txBox="1"/>
+          <p:nvPr/>
+        </p:nvSpPr>
+        <p:spPr>
+          <a:xfrm>
+            <a:off x="1806213" y="2172649"/>
+            <a:ext cx="2515240" cy="369332"/>
+          </a:xfrm>
+          <a:prstGeom prst="rect">
+            <a:avLst/>
+          </a:prstGeom>
+          <a:noFill/>
+        </p:spPr>
+        <p:txBody>
+          <a:bodyPr wrap="none" rtlCol="0">
+            <a:spAutoFit/>
+          </a:bodyPr>
+          <a:lstStyle/>
+          <a:p>
             <a:r>
               <a:rPr lang="en-US" dirty="0"/>
-              <a:t>Could try stitching failed CDR3s with other V genes?</a:t>
-            </a:r>
-          </a:p>
-          <a:p>
-            <a:r>
-              <a:rPr lang="en-US" dirty="0"/>
-              <a:t>Find a new dataset, test </a:t>
-            </a:r>
-            <a:r>
-              <a:rPr lang="en-US" dirty="0" err="1"/>
-              <a:t>TCRseq</a:t>
-            </a:r>
-            <a:r>
-              <a:rPr lang="en-US" dirty="0"/>
-              <a:t> quality first by stitching, IMGT/</a:t>
-            </a:r>
-            <a:r>
-              <a:rPr lang="en-US" dirty="0" err="1"/>
-              <a:t>HighV</a:t>
-            </a:r>
-            <a:r>
-              <a:rPr lang="en-US" dirty="0"/>
-              <a:t>-Quest</a:t>
-            </a:r>
-          </a:p>
-          <a:p>
-            <a:pPr lvl="1"/>
-            <a:r>
-              <a:rPr lang="en-US" dirty="0"/>
-              <a:t>What’s best to give up on in new </a:t>
-            </a:r>
-            <a:r>
-              <a:rPr lang="en-US" dirty="0" err="1"/>
-              <a:t>TCRseq</a:t>
-            </a:r>
-            <a:r>
-              <a:rPr lang="en-US" dirty="0"/>
-              <a:t> dataset?</a:t>
-            </a:r>
-          </a:p>
-          <a:p>
-            <a:pPr lvl="2"/>
-            <a:r>
-              <a:rPr lang="en-US" dirty="0" err="1"/>
-              <a:t>sc</a:t>
-            </a:r>
-            <a:r>
-              <a:rPr lang="en-US" dirty="0"/>
-              <a:t> vs. bulk </a:t>
-            </a:r>
-            <a:r>
-              <a:rPr lang="en-US" dirty="0" err="1"/>
-              <a:t>TCRseq</a:t>
-            </a:r>
-            <a:endParaRPr lang="en-US" dirty="0"/>
-          </a:p>
-          <a:p>
-            <a:pPr lvl="2"/>
-            <a:r>
-              <a:rPr lang="en-US" dirty="0"/>
-              <a:t>Inclusion of (</a:t>
-            </a:r>
-            <a:r>
-              <a:rPr lang="en-US" dirty="0" err="1"/>
-              <a:t>sc</a:t>
-            </a:r>
-            <a:r>
-              <a:rPr lang="en-US" dirty="0"/>
-              <a:t>)</a:t>
-            </a:r>
-            <a:r>
-              <a:rPr lang="en-US" dirty="0" err="1"/>
-              <a:t>RNAseq</a:t>
-            </a:r>
-            <a:endParaRPr lang="en-US" dirty="0"/>
-          </a:p>
-          <a:p>
-            <a:pPr lvl="2"/>
-            <a:r>
-              <a:rPr lang="en-US" dirty="0"/>
-              <a:t>High number of patients</a:t>
-            </a:r>
-          </a:p>
-          <a:p>
-            <a:pPr lvl="2"/>
-            <a:r>
-              <a:rPr lang="en-US" dirty="0" err="1"/>
-              <a:t>irAE</a:t>
-            </a:r>
-            <a:r>
-              <a:rPr lang="en-US" dirty="0"/>
-              <a:t> tracking</a:t>
-            </a:r>
-          </a:p>
-          <a:p>
-            <a:r>
-              <a:rPr lang="en-US" dirty="0"/>
-              <a:t>Merge all IMGT/</a:t>
-            </a:r>
-            <a:r>
-              <a:rPr lang="en-US" dirty="0" err="1"/>
-              <a:t>HighV</a:t>
-            </a:r>
-            <a:r>
-              <a:rPr lang="en-US" dirty="0"/>
-              <a:t>-Quest called productive TCRs across datasets?</a:t>
-            </a:r>
-          </a:p>
-          <a:p>
-            <a:r>
-              <a:rPr lang="en-US" dirty="0"/>
-              <a:t>Extending feature analysis</a:t>
-            </a:r>
-          </a:p>
-          <a:p>
-            <a:pPr lvl="1"/>
-            <a:r>
-              <a:rPr lang="en-US" dirty="0"/>
-              <a:t>Predicted energy of TCR-</a:t>
-            </a:r>
-            <a:r>
-              <a:rPr lang="en-US" dirty="0" err="1"/>
-              <a:t>pMHC</a:t>
-            </a:r>
-            <a:r>
-              <a:rPr lang="en-US" dirty="0"/>
-              <a:t> interaction across diverse </a:t>
-            </a:r>
-            <a:r>
-              <a:rPr lang="en-US" dirty="0" err="1"/>
-              <a:t>pMHCs</a:t>
-            </a:r>
-            <a:endParaRPr lang="en-US" dirty="0"/>
-          </a:p>
-          <a:p>
-            <a:pPr lvl="1"/>
-            <a:r>
-              <a:rPr lang="en-US" dirty="0"/>
-              <a:t>CDR3 AA charge, volume, polarity</a:t>
-            </a:r>
-          </a:p>
-          <a:p>
-            <a:pPr lvl="1"/>
-            <a:r>
-              <a:rPr lang="en-US" dirty="0"/>
-              <a:t>Focusing on central 5 AA of CDR3</a:t>
+              <a:t>All highly expanded TCRs</a:t>
             </a:r>
           </a:p>
         </p:txBody>
@@ -7862,7 +8453,438 @@
     </p:spTree>
     <p:extLst>
       <p:ext uri="{BB962C8B-B14F-4D97-AF65-F5344CB8AC3E}">
-        <p14:creationId xmlns:p14="http://schemas.microsoft.com/office/powerpoint/2010/main" val="723208098"/>
+        <p14:creationId xmlns:p14="http://schemas.microsoft.com/office/powerpoint/2010/main" val="1584511731"/>
+      </p:ext>
+    </p:extLst>
+  </p:cSld>
+  <p:clrMapOvr>
+    <a:masterClrMapping/>
+  </p:clrMapOvr>
+</p:sld>
+</file>
+
+<file path=ppt/slides/slide9.xml><?xml version="1.0" encoding="utf-8"?>
+<p:sld xmlns:a="http://schemas.openxmlformats.org/drawingml/2006/main" xmlns:r="http://schemas.openxmlformats.org/officeDocument/2006/relationships" xmlns:p="http://schemas.openxmlformats.org/presentationml/2006/main">
+  <p:cSld>
+    <p:spTree>
+      <p:nvGrpSpPr>
+        <p:cNvPr id="1" name=""/>
+        <p:cNvGrpSpPr/>
+        <p:nvPr/>
+      </p:nvGrpSpPr>
+      <p:grpSpPr>
+        <a:xfrm>
+          <a:off x="0" y="0"/>
+          <a:ext cx="0" cy="0"/>
+          <a:chOff x="0" y="0"/>
+          <a:chExt cx="0" cy="0"/>
+        </a:xfrm>
+      </p:grpSpPr>
+      <p:sp>
+        <p:nvSpPr>
+          <p:cNvPr id="2" name="Title 1">
+            <a:extLst>
+              <a:ext uri="{FF2B5EF4-FFF2-40B4-BE49-F238E27FC236}">
+                <a16:creationId xmlns:a16="http://schemas.microsoft.com/office/drawing/2014/main" id="{70A4C97D-8F21-3D3B-6A90-EA7145324964}"/>
+              </a:ext>
+            </a:extLst>
+          </p:cNvPr>
+          <p:cNvSpPr>
+            <a:spLocks noGrp="1"/>
+          </p:cNvSpPr>
+          <p:nvPr>
+            <p:ph type="title"/>
+          </p:nvPr>
+        </p:nvSpPr>
+        <p:spPr>
+          <a:xfrm>
+            <a:off x="838200" y="593725"/>
+            <a:ext cx="10515600" cy="1325563"/>
+          </a:xfrm>
+        </p:spPr>
+        <p:txBody>
+          <a:bodyPr>
+            <a:normAutofit fontScale="90000"/>
+          </a:bodyPr>
+          <a:lstStyle/>
+          <a:p>
+            <a:r>
+              <a:rPr lang="en-US" dirty="0"/>
+              <a:t>CD8 TEMs drive length differences across both chains, proliferating CD8s drive TRA length difference, naïve CD8s opposite general CD8 TRB trend</a:t>
+            </a:r>
+          </a:p>
+        </p:txBody>
+      </p:sp>
+      <p:pic>
+        <p:nvPicPr>
+          <p:cNvPr id="3" name="Picture 2">
+            <a:extLst>
+              <a:ext uri="{FF2B5EF4-FFF2-40B4-BE49-F238E27FC236}">
+                <a16:creationId xmlns:a16="http://schemas.microsoft.com/office/drawing/2014/main" id="{8A0BE757-7119-471E-AEEE-E9BE66EB9E98}"/>
+              </a:ext>
+            </a:extLst>
+          </p:cNvPr>
+          <p:cNvPicPr>
+            <a:picLocks noChangeAspect="1"/>
+          </p:cNvPicPr>
+          <p:nvPr/>
+        </p:nvPicPr>
+        <p:blipFill>
+          <a:blip r:embed="rId3"/>
+          <a:stretch>
+            <a:fillRect/>
+          </a:stretch>
+        </p:blipFill>
+        <p:spPr>
+          <a:xfrm>
+            <a:off x="1831360" y="1911408"/>
+            <a:ext cx="7772400" cy="4905902"/>
+          </a:xfrm>
+          <a:prstGeom prst="rect">
+            <a:avLst/>
+          </a:prstGeom>
+        </p:spPr>
+      </p:pic>
+      <p:sp>
+        <p:nvSpPr>
+          <p:cNvPr id="4" name="TextBox 3">
+            <a:extLst>
+              <a:ext uri="{FF2B5EF4-FFF2-40B4-BE49-F238E27FC236}">
+                <a16:creationId xmlns:a16="http://schemas.microsoft.com/office/drawing/2014/main" id="{6E67AF08-BA43-C427-795E-DF60CAD4F0DF}"/>
+              </a:ext>
+            </a:extLst>
+          </p:cNvPr>
+          <p:cNvSpPr txBox="1"/>
+          <p:nvPr/>
+        </p:nvSpPr>
+        <p:spPr>
+          <a:xfrm>
+            <a:off x="8767771" y="2480052"/>
+            <a:ext cx="878767" cy="646331"/>
+          </a:xfrm>
+          <a:prstGeom prst="rect">
+            <a:avLst/>
+          </a:prstGeom>
+          <a:noFill/>
+        </p:spPr>
+        <p:txBody>
+          <a:bodyPr wrap="none" rtlCol="0">
+            <a:spAutoFit/>
+          </a:bodyPr>
+          <a:lstStyle/>
+          <a:p>
+            <a:r>
+              <a:rPr lang="en-US" dirty="0">
+                <a:solidFill>
+                  <a:srgbClr val="F8766D"/>
+                </a:solidFill>
+              </a:rPr>
+              <a:t>n = 30</a:t>
+            </a:r>
+          </a:p>
+          <a:p>
+            <a:r>
+              <a:rPr lang="en-US" dirty="0">
+                <a:solidFill>
+                  <a:srgbClr val="06BFC4"/>
+                </a:solidFill>
+              </a:rPr>
+              <a:t>n = 131</a:t>
+            </a:r>
+          </a:p>
+        </p:txBody>
+      </p:sp>
+      <p:sp>
+        <p:nvSpPr>
+          <p:cNvPr id="5" name="TextBox 4">
+            <a:extLst>
+              <a:ext uri="{FF2B5EF4-FFF2-40B4-BE49-F238E27FC236}">
+                <a16:creationId xmlns:a16="http://schemas.microsoft.com/office/drawing/2014/main" id="{E10C8157-BA64-8C2F-013A-E6831AB45265}"/>
+              </a:ext>
+            </a:extLst>
+          </p:cNvPr>
+          <p:cNvSpPr txBox="1"/>
+          <p:nvPr/>
+        </p:nvSpPr>
+        <p:spPr>
+          <a:xfrm>
+            <a:off x="3606850" y="6154116"/>
+            <a:ext cx="878767" cy="646331"/>
+          </a:xfrm>
+          <a:prstGeom prst="rect">
+            <a:avLst/>
+          </a:prstGeom>
+          <a:noFill/>
+        </p:spPr>
+        <p:txBody>
+          <a:bodyPr wrap="none" rtlCol="0">
+            <a:spAutoFit/>
+          </a:bodyPr>
+          <a:lstStyle/>
+          <a:p>
+            <a:r>
+              <a:rPr lang="en-US" dirty="0">
+                <a:solidFill>
+                  <a:srgbClr val="F8766D"/>
+                </a:solidFill>
+              </a:rPr>
+              <a:t>n = 240</a:t>
+            </a:r>
+          </a:p>
+          <a:p>
+            <a:r>
+              <a:rPr lang="en-US" dirty="0">
+                <a:solidFill>
+                  <a:srgbClr val="06BFC4"/>
+                </a:solidFill>
+              </a:rPr>
+              <a:t>n = 304</a:t>
+            </a:r>
+          </a:p>
+        </p:txBody>
+      </p:sp>
+      <p:sp>
+        <p:nvSpPr>
+          <p:cNvPr id="6" name="TextBox 5">
+            <a:extLst>
+              <a:ext uri="{FF2B5EF4-FFF2-40B4-BE49-F238E27FC236}">
+                <a16:creationId xmlns:a16="http://schemas.microsoft.com/office/drawing/2014/main" id="{5D296F23-CEFF-D77E-A902-AE5E385072E0}"/>
+              </a:ext>
+            </a:extLst>
+          </p:cNvPr>
+          <p:cNvSpPr txBox="1"/>
+          <p:nvPr/>
+        </p:nvSpPr>
+        <p:spPr>
+          <a:xfrm>
+            <a:off x="7092274" y="6235419"/>
+            <a:ext cx="1053494" cy="646331"/>
+          </a:xfrm>
+          <a:prstGeom prst="rect">
+            <a:avLst/>
+          </a:prstGeom>
+          <a:noFill/>
+        </p:spPr>
+        <p:txBody>
+          <a:bodyPr wrap="none" rtlCol="0">
+            <a:spAutoFit/>
+          </a:bodyPr>
+          <a:lstStyle/>
+          <a:p>
+            <a:r>
+              <a:rPr lang="en-US" dirty="0">
+                <a:solidFill>
+                  <a:srgbClr val="F8766D"/>
+                </a:solidFill>
+              </a:rPr>
+              <a:t>n = 3,807</a:t>
+            </a:r>
+          </a:p>
+          <a:p>
+            <a:r>
+              <a:rPr lang="en-US" dirty="0">
+                <a:solidFill>
+                  <a:srgbClr val="06BFC4"/>
+                </a:solidFill>
+              </a:rPr>
+              <a:t>n = 6,345</a:t>
+            </a:r>
+          </a:p>
+        </p:txBody>
+      </p:sp>
+      <p:sp>
+        <p:nvSpPr>
+          <p:cNvPr id="7" name="TextBox 6">
+            <a:extLst>
+              <a:ext uri="{FF2B5EF4-FFF2-40B4-BE49-F238E27FC236}">
+                <a16:creationId xmlns:a16="http://schemas.microsoft.com/office/drawing/2014/main" id="{E9B96C08-A9D8-AC7D-6F25-67E7B9779175}"/>
+              </a:ext>
+            </a:extLst>
+          </p:cNvPr>
+          <p:cNvSpPr txBox="1"/>
+          <p:nvPr/>
+        </p:nvSpPr>
+        <p:spPr>
+          <a:xfrm>
+            <a:off x="1221928" y="2359320"/>
+            <a:ext cx="878767" cy="646331"/>
+          </a:xfrm>
+          <a:prstGeom prst="rect">
+            <a:avLst/>
+          </a:prstGeom>
+          <a:noFill/>
+        </p:spPr>
+        <p:txBody>
+          <a:bodyPr wrap="none" rtlCol="0">
+            <a:spAutoFit/>
+          </a:bodyPr>
+          <a:lstStyle/>
+          <a:p>
+            <a:r>
+              <a:rPr lang="en-US" dirty="0">
+                <a:solidFill>
+                  <a:srgbClr val="F8766D"/>
+                </a:solidFill>
+              </a:rPr>
+              <a:t>n = 425</a:t>
+            </a:r>
+          </a:p>
+          <a:p>
+            <a:r>
+              <a:rPr lang="en-US" dirty="0">
+                <a:solidFill>
+                  <a:srgbClr val="06BFC4"/>
+                </a:solidFill>
+              </a:rPr>
+              <a:t>n = 433</a:t>
+            </a:r>
+          </a:p>
+        </p:txBody>
+      </p:sp>
+      <p:sp>
+        <p:nvSpPr>
+          <p:cNvPr id="8" name="TextBox 7">
+            <a:extLst>
+              <a:ext uri="{FF2B5EF4-FFF2-40B4-BE49-F238E27FC236}">
+                <a16:creationId xmlns:a16="http://schemas.microsoft.com/office/drawing/2014/main" id="{FA97E2E8-229C-D4F1-D252-5F50B69C0033}"/>
+              </a:ext>
+            </a:extLst>
+          </p:cNvPr>
+          <p:cNvSpPr txBox="1"/>
+          <p:nvPr/>
+        </p:nvSpPr>
+        <p:spPr>
+          <a:xfrm>
+            <a:off x="4500750" y="2565069"/>
+            <a:ext cx="534390" cy="369332"/>
+          </a:xfrm>
+          <a:prstGeom prst="rect">
+            <a:avLst/>
+          </a:prstGeom>
+          <a:noFill/>
+        </p:spPr>
+        <p:txBody>
+          <a:bodyPr wrap="square" rtlCol="0">
+            <a:spAutoFit/>
+          </a:bodyPr>
+          <a:lstStyle/>
+          <a:p>
+            <a:r>
+              <a:rPr lang="en-US" dirty="0"/>
+              <a:t>*</a:t>
+            </a:r>
+          </a:p>
+        </p:txBody>
+      </p:sp>
+      <p:sp>
+        <p:nvSpPr>
+          <p:cNvPr id="9" name="TextBox 8">
+            <a:extLst>
+              <a:ext uri="{FF2B5EF4-FFF2-40B4-BE49-F238E27FC236}">
+                <a16:creationId xmlns:a16="http://schemas.microsoft.com/office/drawing/2014/main" id="{7FD75187-F61F-2379-B7B7-3918AF61BEF4}"/>
+              </a:ext>
+            </a:extLst>
+          </p:cNvPr>
+          <p:cNvSpPr txBox="1"/>
+          <p:nvPr/>
+        </p:nvSpPr>
+        <p:spPr>
+          <a:xfrm>
+            <a:off x="6410698" y="2574969"/>
+            <a:ext cx="534390" cy="369332"/>
+          </a:xfrm>
+          <a:prstGeom prst="rect">
+            <a:avLst/>
+          </a:prstGeom>
+          <a:noFill/>
+        </p:spPr>
+        <p:txBody>
+          <a:bodyPr wrap="square" rtlCol="0">
+            <a:spAutoFit/>
+          </a:bodyPr>
+          <a:lstStyle/>
+          <a:p>
+            <a:r>
+              <a:rPr lang="en-US" dirty="0"/>
+              <a:t>*</a:t>
+            </a:r>
+          </a:p>
+        </p:txBody>
+      </p:sp>
+      <p:sp>
+        <p:nvSpPr>
+          <p:cNvPr id="10" name="TextBox 9">
+            <a:extLst>
+              <a:ext uri="{FF2B5EF4-FFF2-40B4-BE49-F238E27FC236}">
+                <a16:creationId xmlns:a16="http://schemas.microsoft.com/office/drawing/2014/main" id="{EB750294-49E8-3F39-C0EE-A566089C1BA5}"/>
+              </a:ext>
+            </a:extLst>
+          </p:cNvPr>
+          <p:cNvSpPr txBox="1"/>
+          <p:nvPr/>
+        </p:nvSpPr>
+        <p:spPr>
+          <a:xfrm>
+            <a:off x="6361220" y="4591795"/>
+            <a:ext cx="534390" cy="369332"/>
+          </a:xfrm>
+          <a:prstGeom prst="rect">
+            <a:avLst/>
+          </a:prstGeom>
+          <a:noFill/>
+        </p:spPr>
+        <p:txBody>
+          <a:bodyPr wrap="square" rtlCol="0">
+            <a:spAutoFit/>
+          </a:bodyPr>
+          <a:lstStyle/>
+          <a:p>
+            <a:r>
+              <a:rPr lang="en-US" dirty="0"/>
+              <a:t>**</a:t>
+            </a:r>
+          </a:p>
+        </p:txBody>
+      </p:sp>
+      <p:sp>
+        <p:nvSpPr>
+          <p:cNvPr id="11" name="TextBox 10">
+            <a:extLst>
+              <a:ext uri="{FF2B5EF4-FFF2-40B4-BE49-F238E27FC236}">
+                <a16:creationId xmlns:a16="http://schemas.microsoft.com/office/drawing/2014/main" id="{5D466BD8-609B-DE91-1DD3-280FEE3AD9BC}"/>
+              </a:ext>
+            </a:extLst>
+          </p:cNvPr>
+          <p:cNvSpPr txBox="1"/>
+          <p:nvPr/>
+        </p:nvSpPr>
+        <p:spPr>
+          <a:xfrm>
+            <a:off x="7570523" y="4601692"/>
+            <a:ext cx="534390" cy="369332"/>
+          </a:xfrm>
+          <a:prstGeom prst="rect">
+            <a:avLst/>
+          </a:prstGeom>
+          <a:noFill/>
+        </p:spPr>
+        <p:txBody>
+          <a:bodyPr wrap="square" rtlCol="0">
+            <a:spAutoFit/>
+          </a:bodyPr>
+          <a:lstStyle/>
+          <a:p>
+            <a:r>
+              <a:rPr lang="en-US" dirty="0"/>
+              <a:t>**</a:t>
+            </a:r>
+          </a:p>
+        </p:txBody>
+      </p:sp>
+    </p:spTree>
+    <p:extLst>
+      <p:ext uri="{BB962C8B-B14F-4D97-AF65-F5344CB8AC3E}">
+        <p14:creationId xmlns:p14="http://schemas.microsoft.com/office/powerpoint/2010/main" val="2232098491"/>
       </p:ext>
     </p:extLst>
   </p:cSld>
